--- a/diagrams/data_architecture.pptx
+++ b/diagrams/data_architecture.pptx
@@ -4599,7 +4599,7 @@
         <p:spPr>
           <a:xfrm>
             <a:off x="4420923" y="5432802"/>
-            <a:ext cx="1817398" cy="923330"/>
+            <a:ext cx="1817398" cy="646331"/>
           </a:xfrm>
           <a:prstGeom prst="rect">
             <a:avLst/>
@@ -4613,12 +4613,16 @@
           <a:lstStyle/>
           <a:p>
             <a:r>
-              <a:rPr lang="en-US" b="1" dirty="0"/>
-              <a:t>Operational Data Store </a:t>
+              <a:rPr lang="en-US" b="1"/>
+              <a:t>Data Warehouse </a:t>
+            </a:r>
+            <a:r>
+              <a:rPr lang="en-US"/>
+              <a:t>- </a:t>
             </a:r>
             <a:r>
               <a:rPr lang="en-US" dirty="0"/>
-              <a:t>- Error corrected</a:t>
+              <a:t>Error corrected</a:t>
             </a:r>
           </a:p>
         </p:txBody>

--- a/diagrams/data_architecture.pptx
+++ b/diagrams/data_architecture.pptx
@@ -6,6 +6,7 @@
   </p:sldMasterIdLst>
   <p:sldIdLst>
     <p:sldId id="256" r:id="rId2"/>
+    <p:sldId id="257" r:id="rId3"/>
   </p:sldIdLst>
   <p:sldSz cx="12192000" cy="6858000"/>
   <p:notesSz cx="6858000" cy="9144000"/>
@@ -259,7 +260,7 @@
           <a:p>
             <a:fld id="{327D9B8E-3CE8-4FBA-9FC1-61311527FA80}" type="datetimeFigureOut">
               <a:rPr lang="en-US" smtClean="0"/>
-              <a:t>5/26/2020</a:t>
+              <a:t>5/30/2020</a:t>
             </a:fld>
             <a:endParaRPr lang="en-US"/>
           </a:p>
@@ -457,7 +458,7 @@
           <a:p>
             <a:fld id="{327D9B8E-3CE8-4FBA-9FC1-61311527FA80}" type="datetimeFigureOut">
               <a:rPr lang="en-US" smtClean="0"/>
-              <a:t>5/26/2020</a:t>
+              <a:t>5/30/2020</a:t>
             </a:fld>
             <a:endParaRPr lang="en-US"/>
           </a:p>
@@ -665,7 +666,7 @@
           <a:p>
             <a:fld id="{327D9B8E-3CE8-4FBA-9FC1-61311527FA80}" type="datetimeFigureOut">
               <a:rPr lang="en-US" smtClean="0"/>
-              <a:t>5/26/2020</a:t>
+              <a:t>5/30/2020</a:t>
             </a:fld>
             <a:endParaRPr lang="en-US"/>
           </a:p>
@@ -863,7 +864,7 @@
           <a:p>
             <a:fld id="{327D9B8E-3CE8-4FBA-9FC1-61311527FA80}" type="datetimeFigureOut">
               <a:rPr lang="en-US" smtClean="0"/>
-              <a:t>5/26/2020</a:t>
+              <a:t>5/30/2020</a:t>
             </a:fld>
             <a:endParaRPr lang="en-US"/>
           </a:p>
@@ -1138,7 +1139,7 @@
           <a:p>
             <a:fld id="{327D9B8E-3CE8-4FBA-9FC1-61311527FA80}" type="datetimeFigureOut">
               <a:rPr lang="en-US" smtClean="0"/>
-              <a:t>5/26/2020</a:t>
+              <a:t>5/30/2020</a:t>
             </a:fld>
             <a:endParaRPr lang="en-US"/>
           </a:p>
@@ -1403,7 +1404,7 @@
           <a:p>
             <a:fld id="{327D9B8E-3CE8-4FBA-9FC1-61311527FA80}" type="datetimeFigureOut">
               <a:rPr lang="en-US" smtClean="0"/>
-              <a:t>5/26/2020</a:t>
+              <a:t>5/30/2020</a:t>
             </a:fld>
             <a:endParaRPr lang="en-US"/>
           </a:p>
@@ -1815,7 +1816,7 @@
           <a:p>
             <a:fld id="{327D9B8E-3CE8-4FBA-9FC1-61311527FA80}" type="datetimeFigureOut">
               <a:rPr lang="en-US" smtClean="0"/>
-              <a:t>5/26/2020</a:t>
+              <a:t>5/30/2020</a:t>
             </a:fld>
             <a:endParaRPr lang="en-US"/>
           </a:p>
@@ -1956,7 +1957,7 @@
           <a:p>
             <a:fld id="{327D9B8E-3CE8-4FBA-9FC1-61311527FA80}" type="datetimeFigureOut">
               <a:rPr lang="en-US" smtClean="0"/>
-              <a:t>5/26/2020</a:t>
+              <a:t>5/30/2020</a:t>
             </a:fld>
             <a:endParaRPr lang="en-US"/>
           </a:p>
@@ -2069,7 +2070,7 @@
           <a:p>
             <a:fld id="{327D9B8E-3CE8-4FBA-9FC1-61311527FA80}" type="datetimeFigureOut">
               <a:rPr lang="en-US" smtClean="0"/>
-              <a:t>5/26/2020</a:t>
+              <a:t>5/30/2020</a:t>
             </a:fld>
             <a:endParaRPr lang="en-US"/>
           </a:p>
@@ -2380,7 +2381,7 @@
           <a:p>
             <a:fld id="{327D9B8E-3CE8-4FBA-9FC1-61311527FA80}" type="datetimeFigureOut">
               <a:rPr lang="en-US" smtClean="0"/>
-              <a:t>5/26/2020</a:t>
+              <a:t>5/30/2020</a:t>
             </a:fld>
             <a:endParaRPr lang="en-US"/>
           </a:p>
@@ -2668,7 +2669,7 @@
           <a:p>
             <a:fld id="{327D9B8E-3CE8-4FBA-9FC1-61311527FA80}" type="datetimeFigureOut">
               <a:rPr lang="en-US" smtClean="0"/>
-              <a:t>5/26/2020</a:t>
+              <a:t>5/30/2020</a:t>
             </a:fld>
             <a:endParaRPr lang="en-US"/>
           </a:p>
@@ -2909,7 +2910,7 @@
           <a:p>
             <a:fld id="{327D9B8E-3CE8-4FBA-9FC1-61311527FA80}" type="datetimeFigureOut">
               <a:rPr lang="en-US" smtClean="0"/>
-              <a:t>5/26/2020</a:t>
+              <a:t>5/30/2020</a:t>
             </a:fld>
             <a:endParaRPr lang="en-US"/>
           </a:p>
@@ -4714,6 +4715,4248 @@
 </p:sld>
 </file>
 
+<file path=ppt/slides/slide2.xml><?xml version="1.0" encoding="utf-8"?>
+<p:sld xmlns:a="http://schemas.openxmlformats.org/drawingml/2006/main" xmlns:r="http://schemas.openxmlformats.org/officeDocument/2006/relationships" xmlns:p="http://schemas.openxmlformats.org/presentationml/2006/main">
+  <p:cSld>
+    <p:spTree>
+      <p:nvGrpSpPr>
+        <p:cNvPr id="1" name=""/>
+        <p:cNvGrpSpPr/>
+        <p:nvPr/>
+      </p:nvGrpSpPr>
+      <p:grpSpPr>
+        <a:xfrm>
+          <a:off x="0" y="0"/>
+          <a:ext cx="0" cy="0"/>
+          <a:chOff x="0" y="0"/>
+          <a:chExt cx="0" cy="0"/>
+        </a:xfrm>
+      </p:grpSpPr>
+      <p:cxnSp>
+        <p:nvCxnSpPr>
+          <p:cNvPr id="3" name="Straight Connector 2">
+            <a:extLst>
+              <a:ext uri="{FF2B5EF4-FFF2-40B4-BE49-F238E27FC236}">
+                <a16:creationId xmlns:a16="http://schemas.microsoft.com/office/drawing/2014/main" id="{DE3BF266-83F2-45B0-ACDC-A3344CCDEAB1}"/>
+              </a:ext>
+            </a:extLst>
+          </p:cNvPr>
+          <p:cNvCxnSpPr/>
+          <p:nvPr/>
+        </p:nvCxnSpPr>
+        <p:spPr>
+          <a:xfrm>
+            <a:off x="3045279" y="62513"/>
+            <a:ext cx="0" cy="6570617"/>
+          </a:xfrm>
+          <a:prstGeom prst="line">
+            <a:avLst/>
+          </a:prstGeom>
+          <a:ln w="9525" cap="flat" cmpd="sng" algn="ctr">
+            <a:solidFill>
+              <a:schemeClr val="dk1"/>
+            </a:solidFill>
+            <a:prstDash val="dash"/>
+            <a:round/>
+            <a:headEnd type="none" w="med" len="med"/>
+            <a:tailEnd type="none" w="med" len="med"/>
+          </a:ln>
+        </p:spPr>
+        <p:style>
+          <a:lnRef idx="0">
+            <a:scrgbClr r="0" g="0" b="0"/>
+          </a:lnRef>
+          <a:fillRef idx="0">
+            <a:scrgbClr r="0" g="0" b="0"/>
+          </a:fillRef>
+          <a:effectRef idx="0">
+            <a:scrgbClr r="0" g="0" b="0"/>
+          </a:effectRef>
+          <a:fontRef idx="minor">
+            <a:schemeClr val="tx1"/>
+          </a:fontRef>
+        </p:style>
+      </p:cxnSp>
+      <p:cxnSp>
+        <p:nvCxnSpPr>
+          <p:cNvPr id="34" name="Straight Connector 33">
+            <a:extLst>
+              <a:ext uri="{FF2B5EF4-FFF2-40B4-BE49-F238E27FC236}">
+                <a16:creationId xmlns:a16="http://schemas.microsoft.com/office/drawing/2014/main" id="{E66222A1-F683-4393-8CDB-674E5C83C989}"/>
+              </a:ext>
+            </a:extLst>
+          </p:cNvPr>
+          <p:cNvCxnSpPr/>
+          <p:nvPr/>
+        </p:nvCxnSpPr>
+        <p:spPr>
+          <a:xfrm>
+            <a:off x="6090558" y="62513"/>
+            <a:ext cx="0" cy="6570617"/>
+          </a:xfrm>
+          <a:prstGeom prst="line">
+            <a:avLst/>
+          </a:prstGeom>
+          <a:ln w="9525" cap="flat" cmpd="sng" algn="ctr">
+            <a:solidFill>
+              <a:schemeClr val="dk1"/>
+            </a:solidFill>
+            <a:prstDash val="dash"/>
+            <a:round/>
+            <a:headEnd type="none" w="med" len="med"/>
+            <a:tailEnd type="none" w="med" len="med"/>
+          </a:ln>
+        </p:spPr>
+        <p:style>
+          <a:lnRef idx="0">
+            <a:scrgbClr r="0" g="0" b="0"/>
+          </a:lnRef>
+          <a:fillRef idx="0">
+            <a:scrgbClr r="0" g="0" b="0"/>
+          </a:fillRef>
+          <a:effectRef idx="0">
+            <a:scrgbClr r="0" g="0" b="0"/>
+          </a:effectRef>
+          <a:fontRef idx="minor">
+            <a:schemeClr val="tx1"/>
+          </a:fontRef>
+        </p:style>
+      </p:cxnSp>
+      <p:cxnSp>
+        <p:nvCxnSpPr>
+          <p:cNvPr id="35" name="Straight Connector 34">
+            <a:extLst>
+              <a:ext uri="{FF2B5EF4-FFF2-40B4-BE49-F238E27FC236}">
+                <a16:creationId xmlns:a16="http://schemas.microsoft.com/office/drawing/2014/main" id="{4D202710-E208-4ADD-992F-13F501EB19A8}"/>
+              </a:ext>
+            </a:extLst>
+          </p:cNvPr>
+          <p:cNvCxnSpPr/>
+          <p:nvPr/>
+        </p:nvCxnSpPr>
+        <p:spPr>
+          <a:xfrm>
+            <a:off x="9135837" y="62513"/>
+            <a:ext cx="0" cy="6570617"/>
+          </a:xfrm>
+          <a:prstGeom prst="line">
+            <a:avLst/>
+          </a:prstGeom>
+          <a:ln w="9525" cap="flat" cmpd="sng" algn="ctr">
+            <a:solidFill>
+              <a:schemeClr val="dk1"/>
+            </a:solidFill>
+            <a:prstDash val="dash"/>
+            <a:round/>
+            <a:headEnd type="none" w="med" len="med"/>
+            <a:tailEnd type="none" w="med" len="med"/>
+          </a:ln>
+        </p:spPr>
+        <p:style>
+          <a:lnRef idx="0">
+            <a:scrgbClr r="0" g="0" b="0"/>
+          </a:lnRef>
+          <a:fillRef idx="0">
+            <a:scrgbClr r="0" g="0" b="0"/>
+          </a:fillRef>
+          <a:effectRef idx="0">
+            <a:scrgbClr r="0" g="0" b="0"/>
+          </a:effectRef>
+          <a:fontRef idx="minor">
+            <a:schemeClr val="tx1"/>
+          </a:fontRef>
+        </p:style>
+      </p:cxnSp>
+      <p:sp>
+        <p:nvSpPr>
+          <p:cNvPr id="5" name="TextBox 4">
+            <a:extLst>
+              <a:ext uri="{FF2B5EF4-FFF2-40B4-BE49-F238E27FC236}">
+                <a16:creationId xmlns:a16="http://schemas.microsoft.com/office/drawing/2014/main" id="{662650BC-6ABC-4E65-81CF-8AEBD9BEB42C}"/>
+              </a:ext>
+            </a:extLst>
+          </p:cNvPr>
+          <p:cNvSpPr txBox="1"/>
+          <p:nvPr/>
+        </p:nvSpPr>
+        <p:spPr>
+          <a:xfrm>
+            <a:off x="10280322" y="5606412"/>
+            <a:ext cx="1817398" cy="1200329"/>
+          </a:xfrm>
+          <a:prstGeom prst="rect">
+            <a:avLst/>
+          </a:prstGeom>
+          <a:noFill/>
+        </p:spPr>
+        <p:txBody>
+          <a:bodyPr wrap="square" rtlCol="0">
+            <a:spAutoFit/>
+          </a:bodyPr>
+          <a:lstStyle/>
+          <a:p>
+            <a:r>
+              <a:rPr lang="en-US" b="1" dirty="0"/>
+              <a:t>Datamart</a:t>
+            </a:r>
+            <a:r>
+              <a:rPr lang="en-US" dirty="0"/>
+              <a:t> – Dimensions and Facts in Star Schema</a:t>
+            </a:r>
+          </a:p>
+        </p:txBody>
+      </p:sp>
+      <p:sp>
+        <p:nvSpPr>
+          <p:cNvPr id="37" name="TextBox 36">
+            <a:extLst>
+              <a:ext uri="{FF2B5EF4-FFF2-40B4-BE49-F238E27FC236}">
+                <a16:creationId xmlns:a16="http://schemas.microsoft.com/office/drawing/2014/main" id="{0E46AB33-3ACD-4F08-A11B-D7E0D37C5150}"/>
+              </a:ext>
+            </a:extLst>
+          </p:cNvPr>
+          <p:cNvSpPr txBox="1"/>
+          <p:nvPr/>
+        </p:nvSpPr>
+        <p:spPr>
+          <a:xfrm>
+            <a:off x="6704498" y="5606412"/>
+            <a:ext cx="1817398" cy="1200329"/>
+          </a:xfrm>
+          <a:prstGeom prst="rect">
+            <a:avLst/>
+          </a:prstGeom>
+          <a:noFill/>
+        </p:spPr>
+        <p:txBody>
+          <a:bodyPr wrap="square" rtlCol="0">
+            <a:spAutoFit/>
+          </a:bodyPr>
+          <a:lstStyle/>
+          <a:p>
+            <a:r>
+              <a:rPr lang="en-US" b="1" dirty="0"/>
+              <a:t>Data Warehouse </a:t>
+            </a:r>
+            <a:r>
+              <a:rPr lang="en-US" dirty="0"/>
+              <a:t>- Error corrected</a:t>
+            </a:r>
+          </a:p>
+          <a:p>
+            <a:r>
+              <a:rPr lang="en-US" dirty="0"/>
+              <a:t>- Pythonic column names</a:t>
+            </a:r>
+          </a:p>
+        </p:txBody>
+      </p:sp>
+      <p:sp>
+        <p:nvSpPr>
+          <p:cNvPr id="38" name="TextBox 37">
+            <a:extLst>
+              <a:ext uri="{FF2B5EF4-FFF2-40B4-BE49-F238E27FC236}">
+                <a16:creationId xmlns:a16="http://schemas.microsoft.com/office/drawing/2014/main" id="{EADC7528-5F0E-42D3-995B-89E7D9698431}"/>
+              </a:ext>
+            </a:extLst>
+          </p:cNvPr>
+          <p:cNvSpPr txBox="1"/>
+          <p:nvPr/>
+        </p:nvSpPr>
+        <p:spPr>
+          <a:xfrm>
+            <a:off x="3659219" y="5883411"/>
+            <a:ext cx="1817398" cy="646331"/>
+          </a:xfrm>
+          <a:prstGeom prst="rect">
+            <a:avLst/>
+          </a:prstGeom>
+          <a:noFill/>
+        </p:spPr>
+        <p:txBody>
+          <a:bodyPr wrap="square" rtlCol="0">
+            <a:spAutoFit/>
+          </a:bodyPr>
+          <a:lstStyle/>
+          <a:p>
+            <a:r>
+              <a:rPr lang="en-US" b="1" dirty="0"/>
+              <a:t>Data Staging </a:t>
+            </a:r>
+            <a:r>
+              <a:rPr lang="en-US" dirty="0"/>
+              <a:t>– Curated Files</a:t>
+            </a:r>
+          </a:p>
+        </p:txBody>
+      </p:sp>
+      <p:sp>
+        <p:nvSpPr>
+          <p:cNvPr id="39" name="TextBox 38">
+            <a:extLst>
+              <a:ext uri="{FF2B5EF4-FFF2-40B4-BE49-F238E27FC236}">
+                <a16:creationId xmlns:a16="http://schemas.microsoft.com/office/drawing/2014/main" id="{7972A4AD-4FA5-4852-9C63-44286375CF45}"/>
+              </a:ext>
+            </a:extLst>
+          </p:cNvPr>
+          <p:cNvSpPr txBox="1"/>
+          <p:nvPr/>
+        </p:nvSpPr>
+        <p:spPr>
+          <a:xfrm>
+            <a:off x="613941" y="5883411"/>
+            <a:ext cx="1817398" cy="646331"/>
+          </a:xfrm>
+          <a:prstGeom prst="rect">
+            <a:avLst/>
+          </a:prstGeom>
+          <a:noFill/>
+        </p:spPr>
+        <p:txBody>
+          <a:bodyPr wrap="square" rtlCol="0">
+            <a:spAutoFit/>
+          </a:bodyPr>
+          <a:lstStyle/>
+          <a:p>
+            <a:r>
+              <a:rPr lang="en-US" b="1" dirty="0"/>
+              <a:t>Data Lake </a:t>
+            </a:r>
+            <a:r>
+              <a:rPr lang="en-US" dirty="0"/>
+              <a:t>– Raw files</a:t>
+            </a:r>
+          </a:p>
+        </p:txBody>
+      </p:sp>
+      <p:grpSp>
+        <p:nvGrpSpPr>
+          <p:cNvPr id="15" name="Group 14">
+            <a:extLst>
+              <a:ext uri="{FF2B5EF4-FFF2-40B4-BE49-F238E27FC236}">
+                <a16:creationId xmlns:a16="http://schemas.microsoft.com/office/drawing/2014/main" id="{5F303640-249F-4541-8FBE-E64EFF38FF6B}"/>
+              </a:ext>
+            </a:extLst>
+          </p:cNvPr>
+          <p:cNvGrpSpPr/>
+          <p:nvPr/>
+        </p:nvGrpSpPr>
+        <p:grpSpPr>
+          <a:xfrm>
+            <a:off x="664703" y="175013"/>
+            <a:ext cx="1715874" cy="5333003"/>
+            <a:chOff x="107109" y="116132"/>
+            <a:chExt cx="1715874" cy="5333003"/>
+          </a:xfrm>
+        </p:grpSpPr>
+        <p:grpSp>
+          <p:nvGrpSpPr>
+            <p:cNvPr id="58" name="Group 57">
+              <a:extLst>
+                <a:ext uri="{FF2B5EF4-FFF2-40B4-BE49-F238E27FC236}">
+                  <a16:creationId xmlns:a16="http://schemas.microsoft.com/office/drawing/2014/main" id="{A24FFFE8-97DA-4028-B49D-32A747320BFD}"/>
+                </a:ext>
+              </a:extLst>
+            </p:cNvPr>
+            <p:cNvGrpSpPr/>
+            <p:nvPr/>
+          </p:nvGrpSpPr>
+          <p:grpSpPr>
+            <a:xfrm>
+              <a:off x="107109" y="2629700"/>
+              <a:ext cx="831386" cy="1039186"/>
+              <a:chOff x="1664974" y="1367475"/>
+              <a:chExt cx="831386" cy="1039186"/>
+            </a:xfrm>
+          </p:grpSpPr>
+          <p:pic>
+            <p:nvPicPr>
+              <p:cNvPr id="60" name="Picture 2" descr="Folder Icon | | Vector Images Icon Sign And Symbols">
+                <a:extLst>
+                  <a:ext uri="{FF2B5EF4-FFF2-40B4-BE49-F238E27FC236}">
+                    <a16:creationId xmlns:a16="http://schemas.microsoft.com/office/drawing/2014/main" id="{B6E17FA4-51A4-4836-8E92-C719862B271E}"/>
+                  </a:ext>
+                </a:extLst>
+              </p:cNvPr>
+              <p:cNvPicPr>
+                <a:picLocks noChangeAspect="1" noChangeArrowheads="1"/>
+              </p:cNvPicPr>
+              <p:nvPr/>
+            </p:nvPicPr>
+            <p:blipFill>
+              <a:blip r:embed="rId2">
+                <a:extLst>
+                  <a:ext uri="{28A0092B-C50C-407E-A947-70E740481C1C}">
+                    <a14:useLocalDpi xmlns:a14="http://schemas.microsoft.com/office/drawing/2010/main" val="0"/>
+                  </a:ext>
+                </a:extLst>
+              </a:blip>
+              <a:srcRect/>
+              <a:stretch>
+                <a:fillRect/>
+              </a:stretch>
+            </p:blipFill>
+            <p:spPr bwMode="auto">
+              <a:xfrm>
+                <a:off x="1714964" y="1367475"/>
+                <a:ext cx="731409" cy="731409"/>
+              </a:xfrm>
+              <a:prstGeom prst="rect">
+                <a:avLst/>
+              </a:prstGeom>
+              <a:noFill/>
+              <a:extLst>
+                <a:ext uri="{909E8E84-426E-40DD-AFC4-6F175D3DCCD1}">
+                  <a14:hiddenFill xmlns:a14="http://schemas.microsoft.com/office/drawing/2010/main">
+                    <a:solidFill>
+                      <a:srgbClr val="FFFFFF"/>
+                    </a:solidFill>
+                  </a14:hiddenFill>
+                </a:ext>
+              </a:extLst>
+            </p:spPr>
+          </p:pic>
+          <p:sp>
+            <p:nvSpPr>
+              <p:cNvPr id="62" name="TextBox 61">
+                <a:extLst>
+                  <a:ext uri="{FF2B5EF4-FFF2-40B4-BE49-F238E27FC236}">
+                    <a16:creationId xmlns:a16="http://schemas.microsoft.com/office/drawing/2014/main" id="{2DBCD09A-605A-4540-969F-9896D40119F2}"/>
+                  </a:ext>
+                </a:extLst>
+              </p:cNvPr>
+              <p:cNvSpPr txBox="1"/>
+              <p:nvPr/>
+            </p:nvSpPr>
+            <p:spPr>
+              <a:xfrm>
+                <a:off x="1664974" y="2098884"/>
+                <a:ext cx="831386" cy="307777"/>
+              </a:xfrm>
+              <a:prstGeom prst="rect">
+                <a:avLst/>
+              </a:prstGeom>
+              <a:noFill/>
+            </p:spPr>
+            <p:txBody>
+              <a:bodyPr wrap="square" rtlCol="0">
+                <a:spAutoFit/>
+              </a:bodyPr>
+              <a:lstStyle/>
+              <a:p>
+                <a:pPr algn="ctr"/>
+                <a:r>
+                  <a:rPr lang="en-US" sz="1400" dirty="0"/>
+                  <a:t>players</a:t>
+                </a:r>
+                <a:endParaRPr lang="en-US" dirty="0"/>
+              </a:p>
+            </p:txBody>
+          </p:sp>
+        </p:grpSp>
+        <p:grpSp>
+          <p:nvGrpSpPr>
+            <p:cNvPr id="63" name="Group 62">
+              <a:extLst>
+                <a:ext uri="{FF2B5EF4-FFF2-40B4-BE49-F238E27FC236}">
+                  <a16:creationId xmlns:a16="http://schemas.microsoft.com/office/drawing/2014/main" id="{D594DDF5-5EBE-4344-A0E3-C59097D77DFF}"/>
+                </a:ext>
+              </a:extLst>
+            </p:cNvPr>
+            <p:cNvGrpSpPr/>
+            <p:nvPr/>
+          </p:nvGrpSpPr>
+          <p:grpSpPr>
+            <a:xfrm>
+              <a:off x="991597" y="795985"/>
+              <a:ext cx="831386" cy="1008408"/>
+              <a:chOff x="1664974" y="1367475"/>
+              <a:chExt cx="831386" cy="1008408"/>
+            </a:xfrm>
+          </p:grpSpPr>
+          <p:pic>
+            <p:nvPicPr>
+              <p:cNvPr id="64" name="Picture 2" descr="Folder Icon | | Vector Images Icon Sign And Symbols">
+                <a:extLst>
+                  <a:ext uri="{FF2B5EF4-FFF2-40B4-BE49-F238E27FC236}">
+                    <a16:creationId xmlns:a16="http://schemas.microsoft.com/office/drawing/2014/main" id="{A74728F6-2823-4B79-BAC8-A28078726DBF}"/>
+                  </a:ext>
+                </a:extLst>
+              </p:cNvPr>
+              <p:cNvPicPr>
+                <a:picLocks noChangeAspect="1" noChangeArrowheads="1"/>
+              </p:cNvPicPr>
+              <p:nvPr/>
+            </p:nvPicPr>
+            <p:blipFill>
+              <a:blip r:embed="rId2">
+                <a:extLst>
+                  <a:ext uri="{28A0092B-C50C-407E-A947-70E740481C1C}">
+                    <a14:useLocalDpi xmlns:a14="http://schemas.microsoft.com/office/drawing/2010/main" val="0"/>
+                  </a:ext>
+                </a:extLst>
+              </a:blip>
+              <a:srcRect/>
+              <a:stretch>
+                <a:fillRect/>
+              </a:stretch>
+            </p:blipFill>
+            <p:spPr bwMode="auto">
+              <a:xfrm>
+                <a:off x="1714964" y="1367475"/>
+                <a:ext cx="731409" cy="731409"/>
+              </a:xfrm>
+              <a:prstGeom prst="rect">
+                <a:avLst/>
+              </a:prstGeom>
+              <a:noFill/>
+              <a:extLst>
+                <a:ext uri="{909E8E84-426E-40DD-AFC4-6F175D3DCCD1}">
+                  <a14:hiddenFill xmlns:a14="http://schemas.microsoft.com/office/drawing/2010/main">
+                    <a:solidFill>
+                      <a:srgbClr val="FFFFFF"/>
+                    </a:solidFill>
+                  </a14:hiddenFill>
+                </a:ext>
+              </a:extLst>
+            </p:spPr>
+          </p:pic>
+          <p:sp>
+            <p:nvSpPr>
+              <p:cNvPr id="66" name="TextBox 65">
+                <a:extLst>
+                  <a:ext uri="{FF2B5EF4-FFF2-40B4-BE49-F238E27FC236}">
+                    <a16:creationId xmlns:a16="http://schemas.microsoft.com/office/drawing/2014/main" id="{D79F6450-DED3-4C30-A984-C011518881D3}"/>
+                  </a:ext>
+                </a:extLst>
+              </p:cNvPr>
+              <p:cNvSpPr txBox="1"/>
+              <p:nvPr/>
+            </p:nvSpPr>
+            <p:spPr>
+              <a:xfrm>
+                <a:off x="1664974" y="2098884"/>
+                <a:ext cx="831386" cy="276999"/>
+              </a:xfrm>
+              <a:prstGeom prst="rect">
+                <a:avLst/>
+              </a:prstGeom>
+              <a:noFill/>
+            </p:spPr>
+            <p:txBody>
+              <a:bodyPr wrap="square" rtlCol="0">
+                <a:spAutoFit/>
+              </a:bodyPr>
+              <a:lstStyle/>
+              <a:p>
+                <a:pPr algn="ctr"/>
+                <a:r>
+                  <a:rPr lang="en-US" sz="1200" dirty="0"/>
+                  <a:t>economic</a:t>
+                </a:r>
+                <a:endParaRPr lang="en-US" sz="1600" dirty="0"/>
+              </a:p>
+            </p:txBody>
+          </p:sp>
+        </p:grpSp>
+        <p:grpSp>
+          <p:nvGrpSpPr>
+            <p:cNvPr id="67" name="Group 66">
+              <a:extLst>
+                <a:ext uri="{FF2B5EF4-FFF2-40B4-BE49-F238E27FC236}">
+                  <a16:creationId xmlns:a16="http://schemas.microsoft.com/office/drawing/2014/main" id="{ECDD4973-8095-410E-A520-445121B06A25}"/>
+                </a:ext>
+              </a:extLst>
+            </p:cNvPr>
+            <p:cNvGrpSpPr/>
+            <p:nvPr/>
+          </p:nvGrpSpPr>
+          <p:grpSpPr>
+            <a:xfrm>
+              <a:off x="107109" y="116132"/>
+              <a:ext cx="831386" cy="1039186"/>
+              <a:chOff x="1664974" y="1367475"/>
+              <a:chExt cx="831386" cy="1039186"/>
+            </a:xfrm>
+          </p:grpSpPr>
+          <p:pic>
+            <p:nvPicPr>
+              <p:cNvPr id="71" name="Picture 2" descr="Folder Icon | | Vector Images Icon Sign And Symbols">
+                <a:extLst>
+                  <a:ext uri="{FF2B5EF4-FFF2-40B4-BE49-F238E27FC236}">
+                    <a16:creationId xmlns:a16="http://schemas.microsoft.com/office/drawing/2014/main" id="{FD0D81D0-1B7F-4CBB-83AB-22C688E2BA1A}"/>
+                  </a:ext>
+                </a:extLst>
+              </p:cNvPr>
+              <p:cNvPicPr>
+                <a:picLocks noChangeAspect="1" noChangeArrowheads="1"/>
+              </p:cNvPicPr>
+              <p:nvPr/>
+            </p:nvPicPr>
+            <p:blipFill>
+              <a:blip r:embed="rId2">
+                <a:extLst>
+                  <a:ext uri="{28A0092B-C50C-407E-A947-70E740481C1C}">
+                    <a14:useLocalDpi xmlns:a14="http://schemas.microsoft.com/office/drawing/2010/main" val="0"/>
+                  </a:ext>
+                </a:extLst>
+              </a:blip>
+              <a:srcRect/>
+              <a:stretch>
+                <a:fillRect/>
+              </a:stretch>
+            </p:blipFill>
+            <p:spPr bwMode="auto">
+              <a:xfrm>
+                <a:off x="1714964" y="1367475"/>
+                <a:ext cx="731409" cy="731409"/>
+              </a:xfrm>
+              <a:prstGeom prst="rect">
+                <a:avLst/>
+              </a:prstGeom>
+              <a:noFill/>
+              <a:extLst>
+                <a:ext uri="{909E8E84-426E-40DD-AFC4-6F175D3DCCD1}">
+                  <a14:hiddenFill xmlns:a14="http://schemas.microsoft.com/office/drawing/2010/main">
+                    <a:solidFill>
+                      <a:srgbClr val="FFFFFF"/>
+                    </a:solidFill>
+                  </a14:hiddenFill>
+                </a:ext>
+              </a:extLst>
+            </p:spPr>
+          </p:pic>
+          <p:sp>
+            <p:nvSpPr>
+              <p:cNvPr id="72" name="TextBox 71">
+                <a:extLst>
+                  <a:ext uri="{FF2B5EF4-FFF2-40B4-BE49-F238E27FC236}">
+                    <a16:creationId xmlns:a16="http://schemas.microsoft.com/office/drawing/2014/main" id="{DE6FB74B-DFED-44BD-83AE-0690C2E77E10}"/>
+                  </a:ext>
+                </a:extLst>
+              </p:cNvPr>
+              <p:cNvSpPr txBox="1"/>
+              <p:nvPr/>
+            </p:nvSpPr>
+            <p:spPr>
+              <a:xfrm>
+                <a:off x="1664974" y="2098884"/>
+                <a:ext cx="831386" cy="307777"/>
+              </a:xfrm>
+              <a:prstGeom prst="rect">
+                <a:avLst/>
+              </a:prstGeom>
+              <a:noFill/>
+            </p:spPr>
+            <p:txBody>
+              <a:bodyPr wrap="square" rtlCol="0">
+                <a:spAutoFit/>
+              </a:bodyPr>
+              <a:lstStyle/>
+              <a:p>
+                <a:pPr algn="ctr"/>
+                <a:r>
+                  <a:rPr lang="en-US" sz="1400" dirty="0"/>
+                  <a:t>colleges</a:t>
+                </a:r>
+                <a:endParaRPr lang="en-US" dirty="0"/>
+              </a:p>
+            </p:txBody>
+          </p:sp>
+        </p:grpSp>
+        <p:grpSp>
+          <p:nvGrpSpPr>
+            <p:cNvPr id="40" name="Group 39">
+              <a:extLst>
+                <a:ext uri="{FF2B5EF4-FFF2-40B4-BE49-F238E27FC236}">
+                  <a16:creationId xmlns:a16="http://schemas.microsoft.com/office/drawing/2014/main" id="{B0B37D68-DDA6-4868-8EEB-33B038A78CC0}"/>
+                </a:ext>
+              </a:extLst>
+            </p:cNvPr>
+            <p:cNvGrpSpPr/>
+            <p:nvPr/>
+          </p:nvGrpSpPr>
+          <p:grpSpPr>
+            <a:xfrm>
+              <a:off x="107109" y="1372916"/>
+              <a:ext cx="831386" cy="1039186"/>
+              <a:chOff x="1664974" y="1367475"/>
+              <a:chExt cx="831386" cy="1039186"/>
+            </a:xfrm>
+          </p:grpSpPr>
+          <p:pic>
+            <p:nvPicPr>
+              <p:cNvPr id="41" name="Picture 2" descr="Folder Icon | | Vector Images Icon Sign And Symbols">
+                <a:extLst>
+                  <a:ext uri="{FF2B5EF4-FFF2-40B4-BE49-F238E27FC236}">
+                    <a16:creationId xmlns:a16="http://schemas.microsoft.com/office/drawing/2014/main" id="{EF8D0EE1-080E-4596-84B6-09FD72E2B97C}"/>
+                  </a:ext>
+                </a:extLst>
+              </p:cNvPr>
+              <p:cNvPicPr>
+                <a:picLocks noChangeAspect="1" noChangeArrowheads="1"/>
+              </p:cNvPicPr>
+              <p:nvPr/>
+            </p:nvPicPr>
+            <p:blipFill>
+              <a:blip r:embed="rId2">
+                <a:extLst>
+                  <a:ext uri="{28A0092B-C50C-407E-A947-70E740481C1C}">
+                    <a14:useLocalDpi xmlns:a14="http://schemas.microsoft.com/office/drawing/2010/main" val="0"/>
+                  </a:ext>
+                </a:extLst>
+              </a:blip>
+              <a:srcRect/>
+              <a:stretch>
+                <a:fillRect/>
+              </a:stretch>
+            </p:blipFill>
+            <p:spPr bwMode="auto">
+              <a:xfrm>
+                <a:off x="1714964" y="1367475"/>
+                <a:ext cx="731409" cy="731409"/>
+              </a:xfrm>
+              <a:prstGeom prst="rect">
+                <a:avLst/>
+              </a:prstGeom>
+              <a:noFill/>
+              <a:extLst>
+                <a:ext uri="{909E8E84-426E-40DD-AFC4-6F175D3DCCD1}">
+                  <a14:hiddenFill xmlns:a14="http://schemas.microsoft.com/office/drawing/2010/main">
+                    <a:solidFill>
+                      <a:srgbClr val="FFFFFF"/>
+                    </a:solidFill>
+                  </a14:hiddenFill>
+                </a:ext>
+              </a:extLst>
+            </p:spPr>
+          </p:pic>
+          <p:sp>
+            <p:nvSpPr>
+              <p:cNvPr id="42" name="TextBox 41">
+                <a:extLst>
+                  <a:ext uri="{FF2B5EF4-FFF2-40B4-BE49-F238E27FC236}">
+                    <a16:creationId xmlns:a16="http://schemas.microsoft.com/office/drawing/2014/main" id="{8FDAD81A-1D5F-4EE9-BBFE-318127598E7C}"/>
+                  </a:ext>
+                </a:extLst>
+              </p:cNvPr>
+              <p:cNvSpPr txBox="1"/>
+              <p:nvPr/>
+            </p:nvSpPr>
+            <p:spPr>
+              <a:xfrm>
+                <a:off x="1664974" y="2098884"/>
+                <a:ext cx="831386" cy="307777"/>
+              </a:xfrm>
+              <a:prstGeom prst="rect">
+                <a:avLst/>
+              </a:prstGeom>
+              <a:noFill/>
+            </p:spPr>
+            <p:txBody>
+              <a:bodyPr wrap="square" rtlCol="0">
+                <a:spAutoFit/>
+              </a:bodyPr>
+              <a:lstStyle/>
+              <a:p>
+                <a:pPr algn="ctr"/>
+                <a:r>
+                  <a:rPr lang="en-US" sz="1400" dirty="0"/>
+                  <a:t>faces</a:t>
+                </a:r>
+                <a:endParaRPr lang="en-US" dirty="0"/>
+              </a:p>
+            </p:txBody>
+          </p:sp>
+        </p:grpSp>
+        <p:grpSp>
+          <p:nvGrpSpPr>
+            <p:cNvPr id="44" name="Group 43">
+              <a:extLst>
+                <a:ext uri="{FF2B5EF4-FFF2-40B4-BE49-F238E27FC236}">
+                  <a16:creationId xmlns:a16="http://schemas.microsoft.com/office/drawing/2014/main" id="{5A2217A4-2D5C-46E2-BF22-349F8CB502EB}"/>
+                </a:ext>
+              </a:extLst>
+            </p:cNvPr>
+            <p:cNvGrpSpPr/>
+            <p:nvPr/>
+          </p:nvGrpSpPr>
+          <p:grpSpPr>
+            <a:xfrm>
+              <a:off x="991597" y="1995510"/>
+              <a:ext cx="831386" cy="993019"/>
+              <a:chOff x="1664974" y="1367475"/>
+              <a:chExt cx="831386" cy="993019"/>
+            </a:xfrm>
+          </p:grpSpPr>
+          <p:pic>
+            <p:nvPicPr>
+              <p:cNvPr id="45" name="Picture 2" descr="Folder Icon | | Vector Images Icon Sign And Symbols">
+                <a:extLst>
+                  <a:ext uri="{FF2B5EF4-FFF2-40B4-BE49-F238E27FC236}">
+                    <a16:creationId xmlns:a16="http://schemas.microsoft.com/office/drawing/2014/main" id="{31BAEECA-334F-46FC-93B5-0AFA3936E98E}"/>
+                  </a:ext>
+                </a:extLst>
+              </p:cNvPr>
+              <p:cNvPicPr>
+                <a:picLocks noChangeAspect="1" noChangeArrowheads="1"/>
+              </p:cNvPicPr>
+              <p:nvPr/>
+            </p:nvPicPr>
+            <p:blipFill>
+              <a:blip r:embed="rId2">
+                <a:extLst>
+                  <a:ext uri="{28A0092B-C50C-407E-A947-70E740481C1C}">
+                    <a14:useLocalDpi xmlns:a14="http://schemas.microsoft.com/office/drawing/2010/main" val="0"/>
+                  </a:ext>
+                </a:extLst>
+              </a:blip>
+              <a:srcRect/>
+              <a:stretch>
+                <a:fillRect/>
+              </a:stretch>
+            </p:blipFill>
+            <p:spPr bwMode="auto">
+              <a:xfrm>
+                <a:off x="1714964" y="1367475"/>
+                <a:ext cx="731409" cy="731409"/>
+              </a:xfrm>
+              <a:prstGeom prst="rect">
+                <a:avLst/>
+              </a:prstGeom>
+              <a:noFill/>
+              <a:extLst>
+                <a:ext uri="{909E8E84-426E-40DD-AFC4-6F175D3DCCD1}">
+                  <a14:hiddenFill xmlns:a14="http://schemas.microsoft.com/office/drawing/2010/main">
+                    <a:solidFill>
+                      <a:srgbClr val="FFFFFF"/>
+                    </a:solidFill>
+                  </a14:hiddenFill>
+                </a:ext>
+              </a:extLst>
+            </p:spPr>
+          </p:pic>
+          <p:sp>
+            <p:nvSpPr>
+              <p:cNvPr id="46" name="TextBox 45">
+                <a:extLst>
+                  <a:ext uri="{FF2B5EF4-FFF2-40B4-BE49-F238E27FC236}">
+                    <a16:creationId xmlns:a16="http://schemas.microsoft.com/office/drawing/2014/main" id="{AF4FD6C2-D44C-4456-A8E9-B4E749FE4793}"/>
+                  </a:ext>
+                </a:extLst>
+              </p:cNvPr>
+              <p:cNvSpPr txBox="1"/>
+              <p:nvPr/>
+            </p:nvSpPr>
+            <p:spPr>
+              <a:xfrm>
+                <a:off x="1664974" y="2098884"/>
+                <a:ext cx="831386" cy="261610"/>
+              </a:xfrm>
+              <a:prstGeom prst="rect">
+                <a:avLst/>
+              </a:prstGeom>
+              <a:noFill/>
+            </p:spPr>
+            <p:txBody>
+              <a:bodyPr wrap="square" rtlCol="0">
+                <a:spAutoFit/>
+              </a:bodyPr>
+              <a:lstStyle/>
+              <a:p>
+                <a:pPr algn="ctr"/>
+                <a:r>
+                  <a:rPr lang="en-US" sz="1100" dirty="0"/>
+                  <a:t>geographic</a:t>
+                </a:r>
+                <a:endParaRPr lang="en-US" sz="1400" dirty="0"/>
+              </a:p>
+            </p:txBody>
+          </p:sp>
+        </p:grpSp>
+        <p:grpSp>
+          <p:nvGrpSpPr>
+            <p:cNvPr id="47" name="Group 46">
+              <a:extLst>
+                <a:ext uri="{FF2B5EF4-FFF2-40B4-BE49-F238E27FC236}">
+                  <a16:creationId xmlns:a16="http://schemas.microsoft.com/office/drawing/2014/main" id="{9912ADDE-A8D6-4723-A41E-B8136C1870AF}"/>
+                </a:ext>
+              </a:extLst>
+            </p:cNvPr>
+            <p:cNvGrpSpPr/>
+            <p:nvPr/>
+          </p:nvGrpSpPr>
+          <p:grpSpPr>
+            <a:xfrm>
+              <a:off x="991597" y="3179646"/>
+              <a:ext cx="831386" cy="1039186"/>
+              <a:chOff x="1664974" y="1367475"/>
+              <a:chExt cx="831386" cy="1039186"/>
+            </a:xfrm>
+          </p:grpSpPr>
+          <p:pic>
+            <p:nvPicPr>
+              <p:cNvPr id="48" name="Picture 2" descr="Folder Icon | | Vector Images Icon Sign And Symbols">
+                <a:extLst>
+                  <a:ext uri="{FF2B5EF4-FFF2-40B4-BE49-F238E27FC236}">
+                    <a16:creationId xmlns:a16="http://schemas.microsoft.com/office/drawing/2014/main" id="{DECD8EAD-5644-43C7-859E-26F53AED4163}"/>
+                  </a:ext>
+                </a:extLst>
+              </p:cNvPr>
+              <p:cNvPicPr>
+                <a:picLocks noChangeAspect="1" noChangeArrowheads="1"/>
+              </p:cNvPicPr>
+              <p:nvPr/>
+            </p:nvPicPr>
+            <p:blipFill>
+              <a:blip r:embed="rId2">
+                <a:extLst>
+                  <a:ext uri="{28A0092B-C50C-407E-A947-70E740481C1C}">
+                    <a14:useLocalDpi xmlns:a14="http://schemas.microsoft.com/office/drawing/2010/main" val="0"/>
+                  </a:ext>
+                </a:extLst>
+              </a:blip>
+              <a:srcRect/>
+              <a:stretch>
+                <a:fillRect/>
+              </a:stretch>
+            </p:blipFill>
+            <p:spPr bwMode="auto">
+              <a:xfrm>
+                <a:off x="1714964" y="1367475"/>
+                <a:ext cx="731409" cy="731409"/>
+              </a:xfrm>
+              <a:prstGeom prst="rect">
+                <a:avLst/>
+              </a:prstGeom>
+              <a:noFill/>
+              <a:extLst>
+                <a:ext uri="{909E8E84-426E-40DD-AFC4-6F175D3DCCD1}">
+                  <a14:hiddenFill xmlns:a14="http://schemas.microsoft.com/office/drawing/2010/main">
+                    <a:solidFill>
+                      <a:srgbClr val="FFFFFF"/>
+                    </a:solidFill>
+                  </a14:hiddenFill>
+                </a:ext>
+              </a:extLst>
+            </p:spPr>
+          </p:pic>
+          <p:sp>
+            <p:nvSpPr>
+              <p:cNvPr id="49" name="TextBox 48">
+                <a:extLst>
+                  <a:ext uri="{FF2B5EF4-FFF2-40B4-BE49-F238E27FC236}">
+                    <a16:creationId xmlns:a16="http://schemas.microsoft.com/office/drawing/2014/main" id="{0EA6A4BF-9642-4057-9F9C-6B9DE933B9C8}"/>
+                  </a:ext>
+                </a:extLst>
+              </p:cNvPr>
+              <p:cNvSpPr txBox="1"/>
+              <p:nvPr/>
+            </p:nvSpPr>
+            <p:spPr>
+              <a:xfrm>
+                <a:off x="1664974" y="2098884"/>
+                <a:ext cx="831386" cy="307777"/>
+              </a:xfrm>
+              <a:prstGeom prst="rect">
+                <a:avLst/>
+              </a:prstGeom>
+              <a:noFill/>
+            </p:spPr>
+            <p:txBody>
+              <a:bodyPr wrap="square" rtlCol="0">
+                <a:spAutoFit/>
+              </a:bodyPr>
+              <a:lstStyle/>
+              <a:p>
+                <a:pPr algn="ctr"/>
+                <a:r>
+                  <a:rPr lang="en-US" sz="1400" dirty="0"/>
+                  <a:t>statistics</a:t>
+                </a:r>
+                <a:endParaRPr lang="en-US" dirty="0"/>
+              </a:p>
+            </p:txBody>
+          </p:sp>
+        </p:grpSp>
+        <p:grpSp>
+          <p:nvGrpSpPr>
+            <p:cNvPr id="50" name="Group 49">
+              <a:extLst>
+                <a:ext uri="{FF2B5EF4-FFF2-40B4-BE49-F238E27FC236}">
+                  <a16:creationId xmlns:a16="http://schemas.microsoft.com/office/drawing/2014/main" id="{B847C0E2-19BA-4C39-81E2-A13ADD07F098}"/>
+                </a:ext>
+              </a:extLst>
+            </p:cNvPr>
+            <p:cNvGrpSpPr/>
+            <p:nvPr/>
+          </p:nvGrpSpPr>
+          <p:grpSpPr>
+            <a:xfrm>
+              <a:off x="107109" y="3886484"/>
+              <a:ext cx="831386" cy="1039186"/>
+              <a:chOff x="1664974" y="1367475"/>
+              <a:chExt cx="831386" cy="1039186"/>
+            </a:xfrm>
+          </p:grpSpPr>
+          <p:pic>
+            <p:nvPicPr>
+              <p:cNvPr id="51" name="Picture 2" descr="Folder Icon | | Vector Images Icon Sign And Symbols">
+                <a:extLst>
+                  <a:ext uri="{FF2B5EF4-FFF2-40B4-BE49-F238E27FC236}">
+                    <a16:creationId xmlns:a16="http://schemas.microsoft.com/office/drawing/2014/main" id="{2D904E8F-15E8-4D0E-AAA7-9FF52033C6ED}"/>
+                  </a:ext>
+                </a:extLst>
+              </p:cNvPr>
+              <p:cNvPicPr>
+                <a:picLocks noChangeAspect="1" noChangeArrowheads="1"/>
+              </p:cNvPicPr>
+              <p:nvPr/>
+            </p:nvPicPr>
+            <p:blipFill>
+              <a:blip r:embed="rId2">
+                <a:extLst>
+                  <a:ext uri="{28A0092B-C50C-407E-A947-70E740481C1C}">
+                    <a14:useLocalDpi xmlns:a14="http://schemas.microsoft.com/office/drawing/2010/main" val="0"/>
+                  </a:ext>
+                </a:extLst>
+              </a:blip>
+              <a:srcRect/>
+              <a:stretch>
+                <a:fillRect/>
+              </a:stretch>
+            </p:blipFill>
+            <p:spPr bwMode="auto">
+              <a:xfrm>
+                <a:off x="1714964" y="1367475"/>
+                <a:ext cx="731409" cy="731409"/>
+              </a:xfrm>
+              <a:prstGeom prst="rect">
+                <a:avLst/>
+              </a:prstGeom>
+              <a:noFill/>
+              <a:extLst>
+                <a:ext uri="{909E8E84-426E-40DD-AFC4-6F175D3DCCD1}">
+                  <a14:hiddenFill xmlns:a14="http://schemas.microsoft.com/office/drawing/2010/main">
+                    <a:solidFill>
+                      <a:srgbClr val="FFFFFF"/>
+                    </a:solidFill>
+                  </a14:hiddenFill>
+                </a:ext>
+              </a:extLst>
+            </p:spPr>
+          </p:pic>
+          <p:sp>
+            <p:nvSpPr>
+              <p:cNvPr id="52" name="TextBox 51">
+                <a:extLst>
+                  <a:ext uri="{FF2B5EF4-FFF2-40B4-BE49-F238E27FC236}">
+                    <a16:creationId xmlns:a16="http://schemas.microsoft.com/office/drawing/2014/main" id="{EFEADE85-A4E5-460C-8EEF-67DD7294DA33}"/>
+                  </a:ext>
+                </a:extLst>
+              </p:cNvPr>
+              <p:cNvSpPr txBox="1"/>
+              <p:nvPr/>
+            </p:nvSpPr>
+            <p:spPr>
+              <a:xfrm>
+                <a:off x="1664974" y="2098884"/>
+                <a:ext cx="831386" cy="307777"/>
+              </a:xfrm>
+              <a:prstGeom prst="rect">
+                <a:avLst/>
+              </a:prstGeom>
+              <a:noFill/>
+            </p:spPr>
+            <p:txBody>
+              <a:bodyPr wrap="square" rtlCol="0">
+                <a:spAutoFit/>
+              </a:bodyPr>
+              <a:lstStyle/>
+              <a:p>
+                <a:pPr algn="ctr"/>
+                <a:r>
+                  <a:rPr lang="en-US" sz="1400" dirty="0"/>
+                  <a:t>teams</a:t>
+                </a:r>
+                <a:endParaRPr lang="en-US" dirty="0"/>
+              </a:p>
+            </p:txBody>
+          </p:sp>
+        </p:grpSp>
+        <p:grpSp>
+          <p:nvGrpSpPr>
+            <p:cNvPr id="53" name="Group 52">
+              <a:extLst>
+                <a:ext uri="{FF2B5EF4-FFF2-40B4-BE49-F238E27FC236}">
+                  <a16:creationId xmlns:a16="http://schemas.microsoft.com/office/drawing/2014/main" id="{214D2E56-9AE1-4C5C-8DFA-4F9B7896BFCA}"/>
+                </a:ext>
+              </a:extLst>
+            </p:cNvPr>
+            <p:cNvGrpSpPr/>
+            <p:nvPr/>
+          </p:nvGrpSpPr>
+          <p:grpSpPr>
+            <a:xfrm>
+              <a:off x="991597" y="4409949"/>
+              <a:ext cx="831386" cy="1039186"/>
+              <a:chOff x="1664974" y="1367475"/>
+              <a:chExt cx="831386" cy="1039186"/>
+            </a:xfrm>
+          </p:grpSpPr>
+          <p:pic>
+            <p:nvPicPr>
+              <p:cNvPr id="54" name="Picture 2" descr="Folder Icon | | Vector Images Icon Sign And Symbols">
+                <a:extLst>
+                  <a:ext uri="{FF2B5EF4-FFF2-40B4-BE49-F238E27FC236}">
+                    <a16:creationId xmlns:a16="http://schemas.microsoft.com/office/drawing/2014/main" id="{32640BA7-4575-491F-ABAB-E07CB45B954E}"/>
+                  </a:ext>
+                </a:extLst>
+              </p:cNvPr>
+              <p:cNvPicPr>
+                <a:picLocks noChangeAspect="1" noChangeArrowheads="1"/>
+              </p:cNvPicPr>
+              <p:nvPr/>
+            </p:nvPicPr>
+            <p:blipFill>
+              <a:blip r:embed="rId2">
+                <a:extLst>
+                  <a:ext uri="{28A0092B-C50C-407E-A947-70E740481C1C}">
+                    <a14:useLocalDpi xmlns:a14="http://schemas.microsoft.com/office/drawing/2010/main" val="0"/>
+                  </a:ext>
+                </a:extLst>
+              </a:blip>
+              <a:srcRect/>
+              <a:stretch>
+                <a:fillRect/>
+              </a:stretch>
+            </p:blipFill>
+            <p:spPr bwMode="auto">
+              <a:xfrm>
+                <a:off x="1714964" y="1367475"/>
+                <a:ext cx="731409" cy="731409"/>
+              </a:xfrm>
+              <a:prstGeom prst="rect">
+                <a:avLst/>
+              </a:prstGeom>
+              <a:noFill/>
+              <a:extLst>
+                <a:ext uri="{909E8E84-426E-40DD-AFC4-6F175D3DCCD1}">
+                  <a14:hiddenFill xmlns:a14="http://schemas.microsoft.com/office/drawing/2010/main">
+                    <a:solidFill>
+                      <a:srgbClr val="FFFFFF"/>
+                    </a:solidFill>
+                  </a14:hiddenFill>
+                </a:ext>
+              </a:extLst>
+            </p:spPr>
+          </p:pic>
+          <p:sp>
+            <p:nvSpPr>
+              <p:cNvPr id="56" name="TextBox 55">
+                <a:extLst>
+                  <a:ext uri="{FF2B5EF4-FFF2-40B4-BE49-F238E27FC236}">
+                    <a16:creationId xmlns:a16="http://schemas.microsoft.com/office/drawing/2014/main" id="{018DF86A-C8D5-4B02-8B16-4A664C44063D}"/>
+                  </a:ext>
+                </a:extLst>
+              </p:cNvPr>
+              <p:cNvSpPr txBox="1"/>
+              <p:nvPr/>
+            </p:nvSpPr>
+            <p:spPr>
+              <a:xfrm>
+                <a:off x="1664974" y="2098884"/>
+                <a:ext cx="831386" cy="307777"/>
+              </a:xfrm>
+              <a:prstGeom prst="rect">
+                <a:avLst/>
+              </a:prstGeom>
+              <a:noFill/>
+            </p:spPr>
+            <p:txBody>
+              <a:bodyPr wrap="square" rtlCol="0">
+                <a:spAutoFit/>
+              </a:bodyPr>
+              <a:lstStyle/>
+              <a:p>
+                <a:pPr algn="ctr"/>
+                <a:r>
+                  <a:rPr lang="en-US" sz="1400" dirty="0"/>
+                  <a:t>weather</a:t>
+                </a:r>
+                <a:endParaRPr lang="en-US" dirty="0"/>
+              </a:p>
+            </p:txBody>
+          </p:sp>
+        </p:grpSp>
+      </p:grpSp>
+      <p:grpSp>
+        <p:nvGrpSpPr>
+          <p:cNvPr id="8" name="Group 7">
+            <a:extLst>
+              <a:ext uri="{FF2B5EF4-FFF2-40B4-BE49-F238E27FC236}">
+                <a16:creationId xmlns:a16="http://schemas.microsoft.com/office/drawing/2014/main" id="{3D240ACD-1BC8-456E-B9B2-BD450BFAEBEB}"/>
+              </a:ext>
+            </a:extLst>
+          </p:cNvPr>
+          <p:cNvGrpSpPr/>
+          <p:nvPr/>
+        </p:nvGrpSpPr>
+        <p:grpSpPr>
+          <a:xfrm>
+            <a:off x="3680405" y="267347"/>
+            <a:ext cx="1775026" cy="5456113"/>
+            <a:chOff x="2212027" y="116132"/>
+            <a:chExt cx="1775026" cy="5456113"/>
+          </a:xfrm>
+        </p:grpSpPr>
+        <p:grpSp>
+          <p:nvGrpSpPr>
+            <p:cNvPr id="57" name="Group 56">
+              <a:extLst>
+                <a:ext uri="{FF2B5EF4-FFF2-40B4-BE49-F238E27FC236}">
+                  <a16:creationId xmlns:a16="http://schemas.microsoft.com/office/drawing/2014/main" id="{1142EEFC-3FDF-41B3-ADD6-CA7D408A97ED}"/>
+                </a:ext>
+              </a:extLst>
+            </p:cNvPr>
+            <p:cNvGrpSpPr/>
+            <p:nvPr/>
+          </p:nvGrpSpPr>
+          <p:grpSpPr>
+            <a:xfrm>
+              <a:off x="2212027" y="2629700"/>
+              <a:ext cx="831386" cy="1193074"/>
+              <a:chOff x="1664974" y="1367475"/>
+              <a:chExt cx="831386" cy="1193074"/>
+            </a:xfrm>
+          </p:grpSpPr>
+          <p:pic>
+            <p:nvPicPr>
+              <p:cNvPr id="61" name="Picture 2" descr="Folder Icon | | Vector Images Icon Sign And Symbols">
+                <a:extLst>
+                  <a:ext uri="{FF2B5EF4-FFF2-40B4-BE49-F238E27FC236}">
+                    <a16:creationId xmlns:a16="http://schemas.microsoft.com/office/drawing/2014/main" id="{09F202AA-6B50-4FFE-A097-4E40634B1408}"/>
+                  </a:ext>
+                </a:extLst>
+              </p:cNvPr>
+              <p:cNvPicPr>
+                <a:picLocks noChangeAspect="1" noChangeArrowheads="1"/>
+              </p:cNvPicPr>
+              <p:nvPr/>
+            </p:nvPicPr>
+            <p:blipFill>
+              <a:blip r:embed="rId2">
+                <a:extLst>
+                  <a:ext uri="{28A0092B-C50C-407E-A947-70E740481C1C}">
+                    <a14:useLocalDpi xmlns:a14="http://schemas.microsoft.com/office/drawing/2010/main" val="0"/>
+                  </a:ext>
+                </a:extLst>
+              </a:blip>
+              <a:srcRect/>
+              <a:stretch>
+                <a:fillRect/>
+              </a:stretch>
+            </p:blipFill>
+            <p:spPr bwMode="auto">
+              <a:xfrm>
+                <a:off x="1714964" y="1367475"/>
+                <a:ext cx="731409" cy="731409"/>
+              </a:xfrm>
+              <a:prstGeom prst="rect">
+                <a:avLst/>
+              </a:prstGeom>
+              <a:noFill/>
+              <a:extLst>
+                <a:ext uri="{909E8E84-426E-40DD-AFC4-6F175D3DCCD1}">
+                  <a14:hiddenFill xmlns:a14="http://schemas.microsoft.com/office/drawing/2010/main">
+                    <a:solidFill>
+                      <a:srgbClr val="FFFFFF"/>
+                    </a:solidFill>
+                  </a14:hiddenFill>
+                </a:ext>
+              </a:extLst>
+            </p:spPr>
+          </p:pic>
+          <p:sp>
+            <p:nvSpPr>
+              <p:cNvPr id="65" name="TextBox 64">
+                <a:extLst>
+                  <a:ext uri="{FF2B5EF4-FFF2-40B4-BE49-F238E27FC236}">
+                    <a16:creationId xmlns:a16="http://schemas.microsoft.com/office/drawing/2014/main" id="{23BEB1B9-E510-475F-8CEC-A199B12C50FB}"/>
+                  </a:ext>
+                </a:extLst>
+              </p:cNvPr>
+              <p:cNvSpPr txBox="1"/>
+              <p:nvPr/>
+            </p:nvSpPr>
+            <p:spPr>
+              <a:xfrm>
+                <a:off x="1664974" y="2098884"/>
+                <a:ext cx="831386" cy="461665"/>
+              </a:xfrm>
+              <a:prstGeom prst="rect">
+                <a:avLst/>
+              </a:prstGeom>
+              <a:noFill/>
+            </p:spPr>
+            <p:txBody>
+              <a:bodyPr wrap="square" rtlCol="0">
+                <a:spAutoFit/>
+              </a:bodyPr>
+              <a:lstStyle/>
+              <a:p>
+                <a:pPr algn="ctr"/>
+                <a:r>
+                  <a:rPr lang="en-US" sz="1200" dirty="0" err="1"/>
+                  <a:t>players_stage</a:t>
+                </a:r>
+                <a:endParaRPr lang="en-US" sz="1600" dirty="0"/>
+              </a:p>
+            </p:txBody>
+          </p:sp>
+        </p:grpSp>
+        <p:grpSp>
+          <p:nvGrpSpPr>
+            <p:cNvPr id="68" name="Group 67">
+              <a:extLst>
+                <a:ext uri="{FF2B5EF4-FFF2-40B4-BE49-F238E27FC236}">
+                  <a16:creationId xmlns:a16="http://schemas.microsoft.com/office/drawing/2014/main" id="{F92F67C4-B7AF-4FE0-B0AC-1773106A7C80}"/>
+                </a:ext>
+              </a:extLst>
+            </p:cNvPr>
+            <p:cNvGrpSpPr/>
+            <p:nvPr/>
+          </p:nvGrpSpPr>
+          <p:grpSpPr>
+            <a:xfrm>
+              <a:off x="3096515" y="795985"/>
+              <a:ext cx="831386" cy="1193074"/>
+              <a:chOff x="1664974" y="1367475"/>
+              <a:chExt cx="831386" cy="1193074"/>
+            </a:xfrm>
+          </p:grpSpPr>
+          <p:pic>
+            <p:nvPicPr>
+              <p:cNvPr id="69" name="Picture 2" descr="Folder Icon | | Vector Images Icon Sign And Symbols">
+                <a:extLst>
+                  <a:ext uri="{FF2B5EF4-FFF2-40B4-BE49-F238E27FC236}">
+                    <a16:creationId xmlns:a16="http://schemas.microsoft.com/office/drawing/2014/main" id="{FD2278A1-D1D6-4CA7-A3D5-51D5D049ADB6}"/>
+                  </a:ext>
+                </a:extLst>
+              </p:cNvPr>
+              <p:cNvPicPr>
+                <a:picLocks noChangeAspect="1" noChangeArrowheads="1"/>
+              </p:cNvPicPr>
+              <p:nvPr/>
+            </p:nvPicPr>
+            <p:blipFill>
+              <a:blip r:embed="rId2">
+                <a:extLst>
+                  <a:ext uri="{28A0092B-C50C-407E-A947-70E740481C1C}">
+                    <a14:useLocalDpi xmlns:a14="http://schemas.microsoft.com/office/drawing/2010/main" val="0"/>
+                  </a:ext>
+                </a:extLst>
+              </a:blip>
+              <a:srcRect/>
+              <a:stretch>
+                <a:fillRect/>
+              </a:stretch>
+            </p:blipFill>
+            <p:spPr bwMode="auto">
+              <a:xfrm>
+                <a:off x="1714964" y="1367475"/>
+                <a:ext cx="731409" cy="731409"/>
+              </a:xfrm>
+              <a:prstGeom prst="rect">
+                <a:avLst/>
+              </a:prstGeom>
+              <a:noFill/>
+              <a:extLst>
+                <a:ext uri="{909E8E84-426E-40DD-AFC4-6F175D3DCCD1}">
+                  <a14:hiddenFill xmlns:a14="http://schemas.microsoft.com/office/drawing/2010/main">
+                    <a:solidFill>
+                      <a:srgbClr val="FFFFFF"/>
+                    </a:solidFill>
+                  </a14:hiddenFill>
+                </a:ext>
+              </a:extLst>
+            </p:spPr>
+          </p:pic>
+          <p:sp>
+            <p:nvSpPr>
+              <p:cNvPr id="70" name="TextBox 69">
+                <a:extLst>
+                  <a:ext uri="{FF2B5EF4-FFF2-40B4-BE49-F238E27FC236}">
+                    <a16:creationId xmlns:a16="http://schemas.microsoft.com/office/drawing/2014/main" id="{CBDFD83E-4B8F-4F86-A8D6-A7B6095F76E1}"/>
+                  </a:ext>
+                </a:extLst>
+              </p:cNvPr>
+              <p:cNvSpPr txBox="1"/>
+              <p:nvPr/>
+            </p:nvSpPr>
+            <p:spPr>
+              <a:xfrm>
+                <a:off x="1664974" y="2098884"/>
+                <a:ext cx="831386" cy="461665"/>
+              </a:xfrm>
+              <a:prstGeom prst="rect">
+                <a:avLst/>
+              </a:prstGeom>
+              <a:noFill/>
+            </p:spPr>
+            <p:txBody>
+              <a:bodyPr wrap="square" rtlCol="0">
+                <a:spAutoFit/>
+              </a:bodyPr>
+              <a:lstStyle/>
+              <a:p>
+                <a:pPr algn="ctr"/>
+                <a:r>
+                  <a:rPr lang="en-US" sz="1200" dirty="0" err="1"/>
+                  <a:t>economic_stage</a:t>
+                </a:r>
+                <a:endParaRPr lang="en-US" sz="1600" dirty="0"/>
+              </a:p>
+            </p:txBody>
+          </p:sp>
+        </p:grpSp>
+        <p:grpSp>
+          <p:nvGrpSpPr>
+            <p:cNvPr id="74" name="Group 73">
+              <a:extLst>
+                <a:ext uri="{FF2B5EF4-FFF2-40B4-BE49-F238E27FC236}">
+                  <a16:creationId xmlns:a16="http://schemas.microsoft.com/office/drawing/2014/main" id="{8B3352CE-E78E-4CF7-A035-0B34817FEB6F}"/>
+                </a:ext>
+              </a:extLst>
+            </p:cNvPr>
+            <p:cNvGrpSpPr/>
+            <p:nvPr/>
+          </p:nvGrpSpPr>
+          <p:grpSpPr>
+            <a:xfrm>
+              <a:off x="2212027" y="116132"/>
+              <a:ext cx="831386" cy="1254629"/>
+              <a:chOff x="1664974" y="1367475"/>
+              <a:chExt cx="831386" cy="1254629"/>
+            </a:xfrm>
+          </p:grpSpPr>
+          <p:pic>
+            <p:nvPicPr>
+              <p:cNvPr id="75" name="Picture 2" descr="Folder Icon | | Vector Images Icon Sign And Symbols">
+                <a:extLst>
+                  <a:ext uri="{FF2B5EF4-FFF2-40B4-BE49-F238E27FC236}">
+                    <a16:creationId xmlns:a16="http://schemas.microsoft.com/office/drawing/2014/main" id="{85A0FCAB-C459-4CDD-AD8F-C93B45CEC4D0}"/>
+                  </a:ext>
+                </a:extLst>
+              </p:cNvPr>
+              <p:cNvPicPr>
+                <a:picLocks noChangeAspect="1" noChangeArrowheads="1"/>
+              </p:cNvPicPr>
+              <p:nvPr/>
+            </p:nvPicPr>
+            <p:blipFill>
+              <a:blip r:embed="rId2">
+                <a:extLst>
+                  <a:ext uri="{28A0092B-C50C-407E-A947-70E740481C1C}">
+                    <a14:useLocalDpi xmlns:a14="http://schemas.microsoft.com/office/drawing/2010/main" val="0"/>
+                  </a:ext>
+                </a:extLst>
+              </a:blip>
+              <a:srcRect/>
+              <a:stretch>
+                <a:fillRect/>
+              </a:stretch>
+            </p:blipFill>
+            <p:spPr bwMode="auto">
+              <a:xfrm>
+                <a:off x="1714964" y="1367475"/>
+                <a:ext cx="731409" cy="731409"/>
+              </a:xfrm>
+              <a:prstGeom prst="rect">
+                <a:avLst/>
+              </a:prstGeom>
+              <a:noFill/>
+              <a:extLst>
+                <a:ext uri="{909E8E84-426E-40DD-AFC4-6F175D3DCCD1}">
+                  <a14:hiddenFill xmlns:a14="http://schemas.microsoft.com/office/drawing/2010/main">
+                    <a:solidFill>
+                      <a:srgbClr val="FFFFFF"/>
+                    </a:solidFill>
+                  </a14:hiddenFill>
+                </a:ext>
+              </a:extLst>
+            </p:spPr>
+          </p:pic>
+          <p:sp>
+            <p:nvSpPr>
+              <p:cNvPr id="76" name="TextBox 75">
+                <a:extLst>
+                  <a:ext uri="{FF2B5EF4-FFF2-40B4-BE49-F238E27FC236}">
+                    <a16:creationId xmlns:a16="http://schemas.microsoft.com/office/drawing/2014/main" id="{5FBEC2B1-6DBF-4EDA-930F-4DDE21E67E14}"/>
+                  </a:ext>
+                </a:extLst>
+              </p:cNvPr>
+              <p:cNvSpPr txBox="1"/>
+              <p:nvPr/>
+            </p:nvSpPr>
+            <p:spPr>
+              <a:xfrm>
+                <a:off x="1664974" y="2098884"/>
+                <a:ext cx="831386" cy="523220"/>
+              </a:xfrm>
+              <a:prstGeom prst="rect">
+                <a:avLst/>
+              </a:prstGeom>
+              <a:noFill/>
+            </p:spPr>
+            <p:txBody>
+              <a:bodyPr wrap="square" rtlCol="0">
+                <a:spAutoFit/>
+              </a:bodyPr>
+              <a:lstStyle/>
+              <a:p>
+                <a:pPr algn="ctr"/>
+                <a:r>
+                  <a:rPr lang="en-US" sz="1400" dirty="0" err="1"/>
+                  <a:t>colleges_stage</a:t>
+                </a:r>
+                <a:endParaRPr lang="en-US" dirty="0"/>
+              </a:p>
+            </p:txBody>
+          </p:sp>
+        </p:grpSp>
+        <p:grpSp>
+          <p:nvGrpSpPr>
+            <p:cNvPr id="77" name="Group 76">
+              <a:extLst>
+                <a:ext uri="{FF2B5EF4-FFF2-40B4-BE49-F238E27FC236}">
+                  <a16:creationId xmlns:a16="http://schemas.microsoft.com/office/drawing/2014/main" id="{A5BBA5D6-D737-4097-9487-D035ED6C4D6D}"/>
+                </a:ext>
+              </a:extLst>
+            </p:cNvPr>
+            <p:cNvGrpSpPr/>
+            <p:nvPr/>
+          </p:nvGrpSpPr>
+          <p:grpSpPr>
+            <a:xfrm>
+              <a:off x="2212027" y="1372916"/>
+              <a:ext cx="831386" cy="1254629"/>
+              <a:chOff x="1664974" y="1367475"/>
+              <a:chExt cx="831386" cy="1254629"/>
+            </a:xfrm>
+          </p:grpSpPr>
+          <p:pic>
+            <p:nvPicPr>
+              <p:cNvPr id="78" name="Picture 2" descr="Folder Icon | | Vector Images Icon Sign And Symbols">
+                <a:extLst>
+                  <a:ext uri="{FF2B5EF4-FFF2-40B4-BE49-F238E27FC236}">
+                    <a16:creationId xmlns:a16="http://schemas.microsoft.com/office/drawing/2014/main" id="{002EF4A4-5DB1-4F38-99E9-8D1535C366C4}"/>
+                  </a:ext>
+                </a:extLst>
+              </p:cNvPr>
+              <p:cNvPicPr>
+                <a:picLocks noChangeAspect="1" noChangeArrowheads="1"/>
+              </p:cNvPicPr>
+              <p:nvPr/>
+            </p:nvPicPr>
+            <p:blipFill>
+              <a:blip r:embed="rId2">
+                <a:extLst>
+                  <a:ext uri="{28A0092B-C50C-407E-A947-70E740481C1C}">
+                    <a14:useLocalDpi xmlns:a14="http://schemas.microsoft.com/office/drawing/2010/main" val="0"/>
+                  </a:ext>
+                </a:extLst>
+              </a:blip>
+              <a:srcRect/>
+              <a:stretch>
+                <a:fillRect/>
+              </a:stretch>
+            </p:blipFill>
+            <p:spPr bwMode="auto">
+              <a:xfrm>
+                <a:off x="1714964" y="1367475"/>
+                <a:ext cx="731409" cy="731409"/>
+              </a:xfrm>
+              <a:prstGeom prst="rect">
+                <a:avLst/>
+              </a:prstGeom>
+              <a:noFill/>
+              <a:extLst>
+                <a:ext uri="{909E8E84-426E-40DD-AFC4-6F175D3DCCD1}">
+                  <a14:hiddenFill xmlns:a14="http://schemas.microsoft.com/office/drawing/2010/main">
+                    <a:solidFill>
+                      <a:srgbClr val="FFFFFF"/>
+                    </a:solidFill>
+                  </a14:hiddenFill>
+                </a:ext>
+              </a:extLst>
+            </p:spPr>
+          </p:pic>
+          <p:sp>
+            <p:nvSpPr>
+              <p:cNvPr id="79" name="TextBox 78">
+                <a:extLst>
+                  <a:ext uri="{FF2B5EF4-FFF2-40B4-BE49-F238E27FC236}">
+                    <a16:creationId xmlns:a16="http://schemas.microsoft.com/office/drawing/2014/main" id="{3A05D2F7-B2B9-40D0-91C2-8AB580338EE9}"/>
+                  </a:ext>
+                </a:extLst>
+              </p:cNvPr>
+              <p:cNvSpPr txBox="1"/>
+              <p:nvPr/>
+            </p:nvSpPr>
+            <p:spPr>
+              <a:xfrm>
+                <a:off x="1664974" y="2098884"/>
+                <a:ext cx="831386" cy="523220"/>
+              </a:xfrm>
+              <a:prstGeom prst="rect">
+                <a:avLst/>
+              </a:prstGeom>
+              <a:noFill/>
+            </p:spPr>
+            <p:txBody>
+              <a:bodyPr wrap="square" rtlCol="0">
+                <a:spAutoFit/>
+              </a:bodyPr>
+              <a:lstStyle/>
+              <a:p>
+                <a:pPr algn="ctr"/>
+                <a:r>
+                  <a:rPr lang="en-US" sz="1400" dirty="0" err="1"/>
+                  <a:t>faces_stage</a:t>
+                </a:r>
+                <a:endParaRPr lang="en-US" dirty="0"/>
+              </a:p>
+            </p:txBody>
+          </p:sp>
+        </p:grpSp>
+        <p:grpSp>
+          <p:nvGrpSpPr>
+            <p:cNvPr id="80" name="Group 79">
+              <a:extLst>
+                <a:ext uri="{FF2B5EF4-FFF2-40B4-BE49-F238E27FC236}">
+                  <a16:creationId xmlns:a16="http://schemas.microsoft.com/office/drawing/2014/main" id="{A42E06B3-518E-4F76-BFC9-8915BE90E694}"/>
+                </a:ext>
+              </a:extLst>
+            </p:cNvPr>
+            <p:cNvGrpSpPr/>
+            <p:nvPr/>
+          </p:nvGrpSpPr>
+          <p:grpSpPr>
+            <a:xfrm>
+              <a:off x="3078758" y="1995510"/>
+              <a:ext cx="908295" cy="1131519"/>
+              <a:chOff x="1647217" y="1367475"/>
+              <a:chExt cx="908295" cy="1131519"/>
+            </a:xfrm>
+          </p:grpSpPr>
+          <p:pic>
+            <p:nvPicPr>
+              <p:cNvPr id="81" name="Picture 2" descr="Folder Icon | | Vector Images Icon Sign And Symbols">
+                <a:extLst>
+                  <a:ext uri="{FF2B5EF4-FFF2-40B4-BE49-F238E27FC236}">
+                    <a16:creationId xmlns:a16="http://schemas.microsoft.com/office/drawing/2014/main" id="{670E20D4-E0E4-4D9A-A46B-C8D833DD7B1A}"/>
+                  </a:ext>
+                </a:extLst>
+              </p:cNvPr>
+              <p:cNvPicPr>
+                <a:picLocks noChangeAspect="1" noChangeArrowheads="1"/>
+              </p:cNvPicPr>
+              <p:nvPr/>
+            </p:nvPicPr>
+            <p:blipFill>
+              <a:blip r:embed="rId2">
+                <a:extLst>
+                  <a:ext uri="{28A0092B-C50C-407E-A947-70E740481C1C}">
+                    <a14:useLocalDpi xmlns:a14="http://schemas.microsoft.com/office/drawing/2010/main" val="0"/>
+                  </a:ext>
+                </a:extLst>
+              </a:blip>
+              <a:srcRect/>
+              <a:stretch>
+                <a:fillRect/>
+              </a:stretch>
+            </p:blipFill>
+            <p:spPr bwMode="auto">
+              <a:xfrm>
+                <a:off x="1714964" y="1367475"/>
+                <a:ext cx="731409" cy="731409"/>
+              </a:xfrm>
+              <a:prstGeom prst="rect">
+                <a:avLst/>
+              </a:prstGeom>
+              <a:noFill/>
+              <a:extLst>
+                <a:ext uri="{909E8E84-426E-40DD-AFC4-6F175D3DCCD1}">
+                  <a14:hiddenFill xmlns:a14="http://schemas.microsoft.com/office/drawing/2010/main">
+                    <a:solidFill>
+                      <a:srgbClr val="FFFFFF"/>
+                    </a:solidFill>
+                  </a14:hiddenFill>
+                </a:ext>
+              </a:extLst>
+            </p:spPr>
+          </p:pic>
+          <p:sp>
+            <p:nvSpPr>
+              <p:cNvPr id="82" name="TextBox 81">
+                <a:extLst>
+                  <a:ext uri="{FF2B5EF4-FFF2-40B4-BE49-F238E27FC236}">
+                    <a16:creationId xmlns:a16="http://schemas.microsoft.com/office/drawing/2014/main" id="{29A11B0B-8272-48A8-B38F-0AC265C7248F}"/>
+                  </a:ext>
+                </a:extLst>
+              </p:cNvPr>
+              <p:cNvSpPr txBox="1"/>
+              <p:nvPr/>
+            </p:nvSpPr>
+            <p:spPr>
+              <a:xfrm>
+                <a:off x="1647217" y="2098884"/>
+                <a:ext cx="908295" cy="400110"/>
+              </a:xfrm>
+              <a:prstGeom prst="rect">
+                <a:avLst/>
+              </a:prstGeom>
+              <a:noFill/>
+            </p:spPr>
+            <p:txBody>
+              <a:bodyPr wrap="square" rtlCol="0">
+                <a:spAutoFit/>
+              </a:bodyPr>
+              <a:lstStyle/>
+              <a:p>
+                <a:pPr algn="ctr"/>
+                <a:r>
+                  <a:rPr lang="en-US" sz="1000" dirty="0" err="1"/>
+                  <a:t>geographic_stage</a:t>
+                </a:r>
+                <a:endParaRPr lang="en-US" sz="1100" dirty="0"/>
+              </a:p>
+            </p:txBody>
+          </p:sp>
+        </p:grpSp>
+        <p:grpSp>
+          <p:nvGrpSpPr>
+            <p:cNvPr id="83" name="Group 82">
+              <a:extLst>
+                <a:ext uri="{FF2B5EF4-FFF2-40B4-BE49-F238E27FC236}">
+                  <a16:creationId xmlns:a16="http://schemas.microsoft.com/office/drawing/2014/main" id="{C9B5517A-7DB8-4C6C-9D1E-60040EE3E56E}"/>
+                </a:ext>
+              </a:extLst>
+            </p:cNvPr>
+            <p:cNvGrpSpPr/>
+            <p:nvPr/>
+          </p:nvGrpSpPr>
+          <p:grpSpPr>
+            <a:xfrm>
+              <a:off x="3096515" y="3179646"/>
+              <a:ext cx="831386" cy="1162296"/>
+              <a:chOff x="1664974" y="1367475"/>
+              <a:chExt cx="831386" cy="1162296"/>
+            </a:xfrm>
+          </p:grpSpPr>
+          <p:pic>
+            <p:nvPicPr>
+              <p:cNvPr id="86" name="Picture 2" descr="Folder Icon | | Vector Images Icon Sign And Symbols">
+                <a:extLst>
+                  <a:ext uri="{FF2B5EF4-FFF2-40B4-BE49-F238E27FC236}">
+                    <a16:creationId xmlns:a16="http://schemas.microsoft.com/office/drawing/2014/main" id="{EA1FECC9-AF36-4DB5-BA4A-D17319CEE765}"/>
+                  </a:ext>
+                </a:extLst>
+              </p:cNvPr>
+              <p:cNvPicPr>
+                <a:picLocks noChangeAspect="1" noChangeArrowheads="1"/>
+              </p:cNvPicPr>
+              <p:nvPr/>
+            </p:nvPicPr>
+            <p:blipFill>
+              <a:blip r:embed="rId2">
+                <a:extLst>
+                  <a:ext uri="{28A0092B-C50C-407E-A947-70E740481C1C}">
+                    <a14:useLocalDpi xmlns:a14="http://schemas.microsoft.com/office/drawing/2010/main" val="0"/>
+                  </a:ext>
+                </a:extLst>
+              </a:blip>
+              <a:srcRect/>
+              <a:stretch>
+                <a:fillRect/>
+              </a:stretch>
+            </p:blipFill>
+            <p:spPr bwMode="auto">
+              <a:xfrm>
+                <a:off x="1714964" y="1367475"/>
+                <a:ext cx="731409" cy="731409"/>
+              </a:xfrm>
+              <a:prstGeom prst="rect">
+                <a:avLst/>
+              </a:prstGeom>
+              <a:noFill/>
+              <a:extLst>
+                <a:ext uri="{909E8E84-426E-40DD-AFC4-6F175D3DCCD1}">
+                  <a14:hiddenFill xmlns:a14="http://schemas.microsoft.com/office/drawing/2010/main">
+                    <a:solidFill>
+                      <a:srgbClr val="FFFFFF"/>
+                    </a:solidFill>
+                  </a14:hiddenFill>
+                </a:ext>
+              </a:extLst>
+            </p:spPr>
+          </p:pic>
+          <p:sp>
+            <p:nvSpPr>
+              <p:cNvPr id="88" name="TextBox 87">
+                <a:extLst>
+                  <a:ext uri="{FF2B5EF4-FFF2-40B4-BE49-F238E27FC236}">
+                    <a16:creationId xmlns:a16="http://schemas.microsoft.com/office/drawing/2014/main" id="{E2A0808C-92B0-431B-B53E-D3A741406051}"/>
+                  </a:ext>
+                </a:extLst>
+              </p:cNvPr>
+              <p:cNvSpPr txBox="1"/>
+              <p:nvPr/>
+            </p:nvSpPr>
+            <p:spPr>
+              <a:xfrm>
+                <a:off x="1664974" y="2098884"/>
+                <a:ext cx="831386" cy="430887"/>
+              </a:xfrm>
+              <a:prstGeom prst="rect">
+                <a:avLst/>
+              </a:prstGeom>
+              <a:noFill/>
+            </p:spPr>
+            <p:txBody>
+              <a:bodyPr wrap="square" rtlCol="0">
+                <a:spAutoFit/>
+              </a:bodyPr>
+              <a:lstStyle/>
+              <a:p>
+                <a:pPr algn="ctr"/>
+                <a:r>
+                  <a:rPr lang="en-US" sz="1100" dirty="0" err="1"/>
+                  <a:t>statistics_stage</a:t>
+                </a:r>
+                <a:endParaRPr lang="en-US" sz="1400" dirty="0"/>
+              </a:p>
+            </p:txBody>
+          </p:sp>
+        </p:grpSp>
+        <p:grpSp>
+          <p:nvGrpSpPr>
+            <p:cNvPr id="89" name="Group 88">
+              <a:extLst>
+                <a:ext uri="{FF2B5EF4-FFF2-40B4-BE49-F238E27FC236}">
+                  <a16:creationId xmlns:a16="http://schemas.microsoft.com/office/drawing/2014/main" id="{372E2C76-8AE8-4ACC-8D60-0465603093F6}"/>
+                </a:ext>
+              </a:extLst>
+            </p:cNvPr>
+            <p:cNvGrpSpPr/>
+            <p:nvPr/>
+          </p:nvGrpSpPr>
+          <p:grpSpPr>
+            <a:xfrm>
+              <a:off x="2212027" y="3886484"/>
+              <a:ext cx="831386" cy="1254629"/>
+              <a:chOff x="1664974" y="1367475"/>
+              <a:chExt cx="831386" cy="1254629"/>
+            </a:xfrm>
+          </p:grpSpPr>
+          <p:pic>
+            <p:nvPicPr>
+              <p:cNvPr id="91" name="Picture 2" descr="Folder Icon | | Vector Images Icon Sign And Symbols">
+                <a:extLst>
+                  <a:ext uri="{FF2B5EF4-FFF2-40B4-BE49-F238E27FC236}">
+                    <a16:creationId xmlns:a16="http://schemas.microsoft.com/office/drawing/2014/main" id="{149023AF-94E4-4824-87F9-DC61A6C5E76D}"/>
+                  </a:ext>
+                </a:extLst>
+              </p:cNvPr>
+              <p:cNvPicPr>
+                <a:picLocks noChangeAspect="1" noChangeArrowheads="1"/>
+              </p:cNvPicPr>
+              <p:nvPr/>
+            </p:nvPicPr>
+            <p:blipFill>
+              <a:blip r:embed="rId2">
+                <a:extLst>
+                  <a:ext uri="{28A0092B-C50C-407E-A947-70E740481C1C}">
+                    <a14:useLocalDpi xmlns:a14="http://schemas.microsoft.com/office/drawing/2010/main" val="0"/>
+                  </a:ext>
+                </a:extLst>
+              </a:blip>
+              <a:srcRect/>
+              <a:stretch>
+                <a:fillRect/>
+              </a:stretch>
+            </p:blipFill>
+            <p:spPr bwMode="auto">
+              <a:xfrm>
+                <a:off x="1714964" y="1367475"/>
+                <a:ext cx="731409" cy="731409"/>
+              </a:xfrm>
+              <a:prstGeom prst="rect">
+                <a:avLst/>
+              </a:prstGeom>
+              <a:noFill/>
+              <a:extLst>
+                <a:ext uri="{909E8E84-426E-40DD-AFC4-6F175D3DCCD1}">
+                  <a14:hiddenFill xmlns:a14="http://schemas.microsoft.com/office/drawing/2010/main">
+                    <a:solidFill>
+                      <a:srgbClr val="FFFFFF"/>
+                    </a:solidFill>
+                  </a14:hiddenFill>
+                </a:ext>
+              </a:extLst>
+            </p:spPr>
+          </p:pic>
+          <p:sp>
+            <p:nvSpPr>
+              <p:cNvPr id="92" name="TextBox 91">
+                <a:extLst>
+                  <a:ext uri="{FF2B5EF4-FFF2-40B4-BE49-F238E27FC236}">
+                    <a16:creationId xmlns:a16="http://schemas.microsoft.com/office/drawing/2014/main" id="{B095D20A-8DDD-4DBE-9767-92366904E9DA}"/>
+                  </a:ext>
+                </a:extLst>
+              </p:cNvPr>
+              <p:cNvSpPr txBox="1"/>
+              <p:nvPr/>
+            </p:nvSpPr>
+            <p:spPr>
+              <a:xfrm>
+                <a:off x="1664974" y="2098884"/>
+                <a:ext cx="831386" cy="523220"/>
+              </a:xfrm>
+              <a:prstGeom prst="rect">
+                <a:avLst/>
+              </a:prstGeom>
+              <a:noFill/>
+            </p:spPr>
+            <p:txBody>
+              <a:bodyPr wrap="square" rtlCol="0">
+                <a:spAutoFit/>
+              </a:bodyPr>
+              <a:lstStyle/>
+              <a:p>
+                <a:pPr algn="ctr"/>
+                <a:r>
+                  <a:rPr lang="en-US" sz="1400" dirty="0" err="1"/>
+                  <a:t>teams_stage</a:t>
+                </a:r>
+                <a:endParaRPr lang="en-US" dirty="0"/>
+              </a:p>
+            </p:txBody>
+          </p:sp>
+        </p:grpSp>
+        <p:grpSp>
+          <p:nvGrpSpPr>
+            <p:cNvPr id="93" name="Group 92">
+              <a:extLst>
+                <a:ext uri="{FF2B5EF4-FFF2-40B4-BE49-F238E27FC236}">
+                  <a16:creationId xmlns:a16="http://schemas.microsoft.com/office/drawing/2014/main" id="{2CA98AE8-6EA6-4F34-A352-D53E4581DF76}"/>
+                </a:ext>
+              </a:extLst>
+            </p:cNvPr>
+            <p:cNvGrpSpPr/>
+            <p:nvPr/>
+          </p:nvGrpSpPr>
+          <p:grpSpPr>
+            <a:xfrm>
+              <a:off x="3096515" y="4409949"/>
+              <a:ext cx="831386" cy="1162296"/>
+              <a:chOff x="1664974" y="1367475"/>
+              <a:chExt cx="831386" cy="1162296"/>
+            </a:xfrm>
+          </p:grpSpPr>
+          <p:pic>
+            <p:nvPicPr>
+              <p:cNvPr id="94" name="Picture 2" descr="Folder Icon | | Vector Images Icon Sign And Symbols">
+                <a:extLst>
+                  <a:ext uri="{FF2B5EF4-FFF2-40B4-BE49-F238E27FC236}">
+                    <a16:creationId xmlns:a16="http://schemas.microsoft.com/office/drawing/2014/main" id="{8522F81F-52D2-47EF-B85D-314E69E02217}"/>
+                  </a:ext>
+                </a:extLst>
+              </p:cNvPr>
+              <p:cNvPicPr>
+                <a:picLocks noChangeAspect="1" noChangeArrowheads="1"/>
+              </p:cNvPicPr>
+              <p:nvPr/>
+            </p:nvPicPr>
+            <p:blipFill>
+              <a:blip r:embed="rId2">
+                <a:extLst>
+                  <a:ext uri="{28A0092B-C50C-407E-A947-70E740481C1C}">
+                    <a14:useLocalDpi xmlns:a14="http://schemas.microsoft.com/office/drawing/2010/main" val="0"/>
+                  </a:ext>
+                </a:extLst>
+              </a:blip>
+              <a:srcRect/>
+              <a:stretch>
+                <a:fillRect/>
+              </a:stretch>
+            </p:blipFill>
+            <p:spPr bwMode="auto">
+              <a:xfrm>
+                <a:off x="1714964" y="1367475"/>
+                <a:ext cx="731409" cy="731409"/>
+              </a:xfrm>
+              <a:prstGeom prst="rect">
+                <a:avLst/>
+              </a:prstGeom>
+              <a:noFill/>
+              <a:extLst>
+                <a:ext uri="{909E8E84-426E-40DD-AFC4-6F175D3DCCD1}">
+                  <a14:hiddenFill xmlns:a14="http://schemas.microsoft.com/office/drawing/2010/main">
+                    <a:solidFill>
+                      <a:srgbClr val="FFFFFF"/>
+                    </a:solidFill>
+                  </a14:hiddenFill>
+                </a:ext>
+              </a:extLst>
+            </p:spPr>
+          </p:pic>
+          <p:sp>
+            <p:nvSpPr>
+              <p:cNvPr id="95" name="TextBox 94">
+                <a:extLst>
+                  <a:ext uri="{FF2B5EF4-FFF2-40B4-BE49-F238E27FC236}">
+                    <a16:creationId xmlns:a16="http://schemas.microsoft.com/office/drawing/2014/main" id="{ED00D34B-D10E-4E59-B914-5EE04FCE1B08}"/>
+                  </a:ext>
+                </a:extLst>
+              </p:cNvPr>
+              <p:cNvSpPr txBox="1"/>
+              <p:nvPr/>
+            </p:nvSpPr>
+            <p:spPr>
+              <a:xfrm>
+                <a:off x="1664974" y="2098884"/>
+                <a:ext cx="831386" cy="430887"/>
+              </a:xfrm>
+              <a:prstGeom prst="rect">
+                <a:avLst/>
+              </a:prstGeom>
+              <a:noFill/>
+            </p:spPr>
+            <p:txBody>
+              <a:bodyPr wrap="square" rtlCol="0">
+                <a:spAutoFit/>
+              </a:bodyPr>
+              <a:lstStyle/>
+              <a:p>
+                <a:pPr algn="ctr"/>
+                <a:r>
+                  <a:rPr lang="en-US" sz="1100" dirty="0" err="1"/>
+                  <a:t>weather_stage</a:t>
+                </a:r>
+                <a:endParaRPr lang="en-US" sz="1400" dirty="0"/>
+              </a:p>
+            </p:txBody>
+          </p:sp>
+        </p:grpSp>
+      </p:grpSp>
+      <p:grpSp>
+        <p:nvGrpSpPr>
+          <p:cNvPr id="98" name="Group 97">
+            <a:extLst>
+              <a:ext uri="{FF2B5EF4-FFF2-40B4-BE49-F238E27FC236}">
+                <a16:creationId xmlns:a16="http://schemas.microsoft.com/office/drawing/2014/main" id="{38C33402-3C15-4772-8CFD-384836440908}"/>
+              </a:ext>
+            </a:extLst>
+          </p:cNvPr>
+          <p:cNvGrpSpPr/>
+          <p:nvPr/>
+        </p:nvGrpSpPr>
+        <p:grpSpPr>
+          <a:xfrm>
+            <a:off x="6725685" y="267347"/>
+            <a:ext cx="1775026" cy="5456113"/>
+            <a:chOff x="2212027" y="116132"/>
+            <a:chExt cx="1775026" cy="5456113"/>
+          </a:xfrm>
+        </p:grpSpPr>
+        <p:grpSp>
+          <p:nvGrpSpPr>
+            <p:cNvPr id="99" name="Group 98">
+              <a:extLst>
+                <a:ext uri="{FF2B5EF4-FFF2-40B4-BE49-F238E27FC236}">
+                  <a16:creationId xmlns:a16="http://schemas.microsoft.com/office/drawing/2014/main" id="{91F40E69-89FE-486E-B667-C5D08FAEFCD8}"/>
+                </a:ext>
+              </a:extLst>
+            </p:cNvPr>
+            <p:cNvGrpSpPr/>
+            <p:nvPr/>
+          </p:nvGrpSpPr>
+          <p:grpSpPr>
+            <a:xfrm>
+              <a:off x="2212027" y="2629700"/>
+              <a:ext cx="831386" cy="1193074"/>
+              <a:chOff x="1664974" y="1367475"/>
+              <a:chExt cx="831386" cy="1193074"/>
+            </a:xfrm>
+          </p:grpSpPr>
+          <p:pic>
+            <p:nvPicPr>
+              <p:cNvPr id="121" name="Picture 2" descr="Folder Icon | | Vector Images Icon Sign And Symbols">
+                <a:extLst>
+                  <a:ext uri="{FF2B5EF4-FFF2-40B4-BE49-F238E27FC236}">
+                    <a16:creationId xmlns:a16="http://schemas.microsoft.com/office/drawing/2014/main" id="{896D8D6A-2AF0-4EAE-8EDA-F6D329873CBC}"/>
+                  </a:ext>
+                </a:extLst>
+              </p:cNvPr>
+              <p:cNvPicPr>
+                <a:picLocks noChangeAspect="1" noChangeArrowheads="1"/>
+              </p:cNvPicPr>
+              <p:nvPr/>
+            </p:nvPicPr>
+            <p:blipFill>
+              <a:blip r:embed="rId2">
+                <a:extLst>
+                  <a:ext uri="{28A0092B-C50C-407E-A947-70E740481C1C}">
+                    <a14:useLocalDpi xmlns:a14="http://schemas.microsoft.com/office/drawing/2010/main" val="0"/>
+                  </a:ext>
+                </a:extLst>
+              </a:blip>
+              <a:srcRect/>
+              <a:stretch>
+                <a:fillRect/>
+              </a:stretch>
+            </p:blipFill>
+            <p:spPr bwMode="auto">
+              <a:xfrm>
+                <a:off x="1714964" y="1367475"/>
+                <a:ext cx="731409" cy="731409"/>
+              </a:xfrm>
+              <a:prstGeom prst="rect">
+                <a:avLst/>
+              </a:prstGeom>
+              <a:noFill/>
+              <a:extLst>
+                <a:ext uri="{909E8E84-426E-40DD-AFC4-6F175D3DCCD1}">
+                  <a14:hiddenFill xmlns:a14="http://schemas.microsoft.com/office/drawing/2010/main">
+                    <a:solidFill>
+                      <a:srgbClr val="FFFFFF"/>
+                    </a:solidFill>
+                  </a14:hiddenFill>
+                </a:ext>
+              </a:extLst>
+            </p:spPr>
+          </p:pic>
+          <p:sp>
+            <p:nvSpPr>
+              <p:cNvPr id="122" name="TextBox 121">
+                <a:extLst>
+                  <a:ext uri="{FF2B5EF4-FFF2-40B4-BE49-F238E27FC236}">
+                    <a16:creationId xmlns:a16="http://schemas.microsoft.com/office/drawing/2014/main" id="{1E578BCB-3334-4765-B393-3905C799DD43}"/>
+                  </a:ext>
+                </a:extLst>
+              </p:cNvPr>
+              <p:cNvSpPr txBox="1"/>
+              <p:nvPr/>
+            </p:nvSpPr>
+            <p:spPr>
+              <a:xfrm>
+                <a:off x="1664974" y="2098884"/>
+                <a:ext cx="831386" cy="461665"/>
+              </a:xfrm>
+              <a:prstGeom prst="rect">
+                <a:avLst/>
+              </a:prstGeom>
+              <a:noFill/>
+            </p:spPr>
+            <p:txBody>
+              <a:bodyPr wrap="square" rtlCol="0">
+                <a:spAutoFit/>
+              </a:bodyPr>
+              <a:lstStyle/>
+              <a:p>
+                <a:pPr algn="ctr"/>
+                <a:r>
+                  <a:rPr lang="en-US" sz="1200" dirty="0" err="1"/>
+                  <a:t>players_wh</a:t>
+                </a:r>
+                <a:endParaRPr lang="en-US" sz="1600" dirty="0"/>
+              </a:p>
+            </p:txBody>
+          </p:sp>
+        </p:grpSp>
+        <p:grpSp>
+          <p:nvGrpSpPr>
+            <p:cNvPr id="100" name="Group 99">
+              <a:extLst>
+                <a:ext uri="{FF2B5EF4-FFF2-40B4-BE49-F238E27FC236}">
+                  <a16:creationId xmlns:a16="http://schemas.microsoft.com/office/drawing/2014/main" id="{CC8D4575-2A9E-4FA8-8CF8-622BDE1865B9}"/>
+                </a:ext>
+              </a:extLst>
+            </p:cNvPr>
+            <p:cNvGrpSpPr/>
+            <p:nvPr/>
+          </p:nvGrpSpPr>
+          <p:grpSpPr>
+            <a:xfrm>
+              <a:off x="3096515" y="795985"/>
+              <a:ext cx="831386" cy="1193074"/>
+              <a:chOff x="1664974" y="1367475"/>
+              <a:chExt cx="831386" cy="1193074"/>
+            </a:xfrm>
+          </p:grpSpPr>
+          <p:pic>
+            <p:nvPicPr>
+              <p:cNvPr id="119" name="Picture 2" descr="Folder Icon | | Vector Images Icon Sign And Symbols">
+                <a:extLst>
+                  <a:ext uri="{FF2B5EF4-FFF2-40B4-BE49-F238E27FC236}">
+                    <a16:creationId xmlns:a16="http://schemas.microsoft.com/office/drawing/2014/main" id="{C3902F8C-6E5D-4D76-8AEF-20BD298201B0}"/>
+                  </a:ext>
+                </a:extLst>
+              </p:cNvPr>
+              <p:cNvPicPr>
+                <a:picLocks noChangeAspect="1" noChangeArrowheads="1"/>
+              </p:cNvPicPr>
+              <p:nvPr/>
+            </p:nvPicPr>
+            <p:blipFill>
+              <a:blip r:embed="rId2">
+                <a:extLst>
+                  <a:ext uri="{28A0092B-C50C-407E-A947-70E740481C1C}">
+                    <a14:useLocalDpi xmlns:a14="http://schemas.microsoft.com/office/drawing/2010/main" val="0"/>
+                  </a:ext>
+                </a:extLst>
+              </a:blip>
+              <a:srcRect/>
+              <a:stretch>
+                <a:fillRect/>
+              </a:stretch>
+            </p:blipFill>
+            <p:spPr bwMode="auto">
+              <a:xfrm>
+                <a:off x="1714964" y="1367475"/>
+                <a:ext cx="731409" cy="731409"/>
+              </a:xfrm>
+              <a:prstGeom prst="rect">
+                <a:avLst/>
+              </a:prstGeom>
+              <a:noFill/>
+              <a:extLst>
+                <a:ext uri="{909E8E84-426E-40DD-AFC4-6F175D3DCCD1}">
+                  <a14:hiddenFill xmlns:a14="http://schemas.microsoft.com/office/drawing/2010/main">
+                    <a:solidFill>
+                      <a:srgbClr val="FFFFFF"/>
+                    </a:solidFill>
+                  </a14:hiddenFill>
+                </a:ext>
+              </a:extLst>
+            </p:spPr>
+          </p:pic>
+          <p:sp>
+            <p:nvSpPr>
+              <p:cNvPr id="120" name="TextBox 119">
+                <a:extLst>
+                  <a:ext uri="{FF2B5EF4-FFF2-40B4-BE49-F238E27FC236}">
+                    <a16:creationId xmlns:a16="http://schemas.microsoft.com/office/drawing/2014/main" id="{A97AA45D-EE45-447C-83FD-46710825773A}"/>
+                  </a:ext>
+                </a:extLst>
+              </p:cNvPr>
+              <p:cNvSpPr txBox="1"/>
+              <p:nvPr/>
+            </p:nvSpPr>
+            <p:spPr>
+              <a:xfrm>
+                <a:off x="1664974" y="2098884"/>
+                <a:ext cx="831386" cy="461665"/>
+              </a:xfrm>
+              <a:prstGeom prst="rect">
+                <a:avLst/>
+              </a:prstGeom>
+              <a:noFill/>
+            </p:spPr>
+            <p:txBody>
+              <a:bodyPr wrap="square" rtlCol="0">
+                <a:spAutoFit/>
+              </a:bodyPr>
+              <a:lstStyle/>
+              <a:p>
+                <a:pPr algn="ctr"/>
+                <a:r>
+                  <a:rPr lang="en-US" sz="1200" dirty="0" err="1"/>
+                  <a:t>economic_wh</a:t>
+                </a:r>
+                <a:endParaRPr lang="en-US" sz="1600" dirty="0"/>
+              </a:p>
+            </p:txBody>
+          </p:sp>
+        </p:grpSp>
+        <p:grpSp>
+          <p:nvGrpSpPr>
+            <p:cNvPr id="101" name="Group 100">
+              <a:extLst>
+                <a:ext uri="{FF2B5EF4-FFF2-40B4-BE49-F238E27FC236}">
+                  <a16:creationId xmlns:a16="http://schemas.microsoft.com/office/drawing/2014/main" id="{EC60216D-E3EE-4DFF-91DF-4D2007AC3D32}"/>
+                </a:ext>
+              </a:extLst>
+            </p:cNvPr>
+            <p:cNvGrpSpPr/>
+            <p:nvPr/>
+          </p:nvGrpSpPr>
+          <p:grpSpPr>
+            <a:xfrm>
+              <a:off x="2212027" y="116132"/>
+              <a:ext cx="831386" cy="1254629"/>
+              <a:chOff x="1664974" y="1367475"/>
+              <a:chExt cx="831386" cy="1254629"/>
+            </a:xfrm>
+          </p:grpSpPr>
+          <p:pic>
+            <p:nvPicPr>
+              <p:cNvPr id="117" name="Picture 2" descr="Folder Icon | | Vector Images Icon Sign And Symbols">
+                <a:extLst>
+                  <a:ext uri="{FF2B5EF4-FFF2-40B4-BE49-F238E27FC236}">
+                    <a16:creationId xmlns:a16="http://schemas.microsoft.com/office/drawing/2014/main" id="{40B92C22-CBBD-4104-94D0-B41D915BA22E}"/>
+                  </a:ext>
+                </a:extLst>
+              </p:cNvPr>
+              <p:cNvPicPr>
+                <a:picLocks noChangeAspect="1" noChangeArrowheads="1"/>
+              </p:cNvPicPr>
+              <p:nvPr/>
+            </p:nvPicPr>
+            <p:blipFill>
+              <a:blip r:embed="rId2">
+                <a:extLst>
+                  <a:ext uri="{28A0092B-C50C-407E-A947-70E740481C1C}">
+                    <a14:useLocalDpi xmlns:a14="http://schemas.microsoft.com/office/drawing/2010/main" val="0"/>
+                  </a:ext>
+                </a:extLst>
+              </a:blip>
+              <a:srcRect/>
+              <a:stretch>
+                <a:fillRect/>
+              </a:stretch>
+            </p:blipFill>
+            <p:spPr bwMode="auto">
+              <a:xfrm>
+                <a:off x="1714964" y="1367475"/>
+                <a:ext cx="731409" cy="731409"/>
+              </a:xfrm>
+              <a:prstGeom prst="rect">
+                <a:avLst/>
+              </a:prstGeom>
+              <a:noFill/>
+              <a:extLst>
+                <a:ext uri="{909E8E84-426E-40DD-AFC4-6F175D3DCCD1}">
+                  <a14:hiddenFill xmlns:a14="http://schemas.microsoft.com/office/drawing/2010/main">
+                    <a:solidFill>
+                      <a:srgbClr val="FFFFFF"/>
+                    </a:solidFill>
+                  </a14:hiddenFill>
+                </a:ext>
+              </a:extLst>
+            </p:spPr>
+          </p:pic>
+          <p:sp>
+            <p:nvSpPr>
+              <p:cNvPr id="118" name="TextBox 117">
+                <a:extLst>
+                  <a:ext uri="{FF2B5EF4-FFF2-40B4-BE49-F238E27FC236}">
+                    <a16:creationId xmlns:a16="http://schemas.microsoft.com/office/drawing/2014/main" id="{1DA488FB-E16C-4A42-B51D-FBFE576B14FC}"/>
+                  </a:ext>
+                </a:extLst>
+              </p:cNvPr>
+              <p:cNvSpPr txBox="1"/>
+              <p:nvPr/>
+            </p:nvSpPr>
+            <p:spPr>
+              <a:xfrm>
+                <a:off x="1664974" y="2098884"/>
+                <a:ext cx="831386" cy="523220"/>
+              </a:xfrm>
+              <a:prstGeom prst="rect">
+                <a:avLst/>
+              </a:prstGeom>
+              <a:noFill/>
+            </p:spPr>
+            <p:txBody>
+              <a:bodyPr wrap="square" rtlCol="0">
+                <a:spAutoFit/>
+              </a:bodyPr>
+              <a:lstStyle/>
+              <a:p>
+                <a:pPr algn="ctr"/>
+                <a:r>
+                  <a:rPr lang="en-US" sz="1400" dirty="0" err="1"/>
+                  <a:t>colleges_wh</a:t>
+                </a:r>
+                <a:endParaRPr lang="en-US" dirty="0"/>
+              </a:p>
+            </p:txBody>
+          </p:sp>
+        </p:grpSp>
+        <p:grpSp>
+          <p:nvGrpSpPr>
+            <p:cNvPr id="102" name="Group 101">
+              <a:extLst>
+                <a:ext uri="{FF2B5EF4-FFF2-40B4-BE49-F238E27FC236}">
+                  <a16:creationId xmlns:a16="http://schemas.microsoft.com/office/drawing/2014/main" id="{8C441DC0-10F3-41E7-B63F-5D6BF6062B6D}"/>
+                </a:ext>
+              </a:extLst>
+            </p:cNvPr>
+            <p:cNvGrpSpPr/>
+            <p:nvPr/>
+          </p:nvGrpSpPr>
+          <p:grpSpPr>
+            <a:xfrm>
+              <a:off x="2212027" y="1372916"/>
+              <a:ext cx="831386" cy="1254629"/>
+              <a:chOff x="1664974" y="1367475"/>
+              <a:chExt cx="831386" cy="1254629"/>
+            </a:xfrm>
+          </p:grpSpPr>
+          <p:pic>
+            <p:nvPicPr>
+              <p:cNvPr id="115" name="Picture 2" descr="Folder Icon | | Vector Images Icon Sign And Symbols">
+                <a:extLst>
+                  <a:ext uri="{FF2B5EF4-FFF2-40B4-BE49-F238E27FC236}">
+                    <a16:creationId xmlns:a16="http://schemas.microsoft.com/office/drawing/2014/main" id="{F9C5D077-1F8A-494A-B938-056B595B4F2A}"/>
+                  </a:ext>
+                </a:extLst>
+              </p:cNvPr>
+              <p:cNvPicPr>
+                <a:picLocks noChangeAspect="1" noChangeArrowheads="1"/>
+              </p:cNvPicPr>
+              <p:nvPr/>
+            </p:nvPicPr>
+            <p:blipFill>
+              <a:blip r:embed="rId2">
+                <a:extLst>
+                  <a:ext uri="{28A0092B-C50C-407E-A947-70E740481C1C}">
+                    <a14:useLocalDpi xmlns:a14="http://schemas.microsoft.com/office/drawing/2010/main" val="0"/>
+                  </a:ext>
+                </a:extLst>
+              </a:blip>
+              <a:srcRect/>
+              <a:stretch>
+                <a:fillRect/>
+              </a:stretch>
+            </p:blipFill>
+            <p:spPr bwMode="auto">
+              <a:xfrm>
+                <a:off x="1714964" y="1367475"/>
+                <a:ext cx="731409" cy="731409"/>
+              </a:xfrm>
+              <a:prstGeom prst="rect">
+                <a:avLst/>
+              </a:prstGeom>
+              <a:noFill/>
+              <a:extLst>
+                <a:ext uri="{909E8E84-426E-40DD-AFC4-6F175D3DCCD1}">
+                  <a14:hiddenFill xmlns:a14="http://schemas.microsoft.com/office/drawing/2010/main">
+                    <a:solidFill>
+                      <a:srgbClr val="FFFFFF"/>
+                    </a:solidFill>
+                  </a14:hiddenFill>
+                </a:ext>
+              </a:extLst>
+            </p:spPr>
+          </p:pic>
+          <p:sp>
+            <p:nvSpPr>
+              <p:cNvPr id="116" name="TextBox 115">
+                <a:extLst>
+                  <a:ext uri="{FF2B5EF4-FFF2-40B4-BE49-F238E27FC236}">
+                    <a16:creationId xmlns:a16="http://schemas.microsoft.com/office/drawing/2014/main" id="{95DDBAF9-CE97-4312-94CD-9B6BB5847E75}"/>
+                  </a:ext>
+                </a:extLst>
+              </p:cNvPr>
+              <p:cNvSpPr txBox="1"/>
+              <p:nvPr/>
+            </p:nvSpPr>
+            <p:spPr>
+              <a:xfrm>
+                <a:off x="1664974" y="2098884"/>
+                <a:ext cx="831386" cy="523220"/>
+              </a:xfrm>
+              <a:prstGeom prst="rect">
+                <a:avLst/>
+              </a:prstGeom>
+              <a:noFill/>
+            </p:spPr>
+            <p:txBody>
+              <a:bodyPr wrap="square" rtlCol="0">
+                <a:spAutoFit/>
+              </a:bodyPr>
+              <a:lstStyle/>
+              <a:p>
+                <a:pPr algn="ctr"/>
+                <a:r>
+                  <a:rPr lang="en-US" sz="1400" dirty="0" err="1"/>
+                  <a:t>faces_wh</a:t>
+                </a:r>
+                <a:endParaRPr lang="en-US" dirty="0"/>
+              </a:p>
+            </p:txBody>
+          </p:sp>
+        </p:grpSp>
+        <p:grpSp>
+          <p:nvGrpSpPr>
+            <p:cNvPr id="103" name="Group 102">
+              <a:extLst>
+                <a:ext uri="{FF2B5EF4-FFF2-40B4-BE49-F238E27FC236}">
+                  <a16:creationId xmlns:a16="http://schemas.microsoft.com/office/drawing/2014/main" id="{6929402B-DDFE-4329-A502-C03FB3267C1A}"/>
+                </a:ext>
+              </a:extLst>
+            </p:cNvPr>
+            <p:cNvGrpSpPr/>
+            <p:nvPr/>
+          </p:nvGrpSpPr>
+          <p:grpSpPr>
+            <a:xfrm>
+              <a:off x="3078758" y="1995510"/>
+              <a:ext cx="908295" cy="1131519"/>
+              <a:chOff x="1647217" y="1367475"/>
+              <a:chExt cx="908295" cy="1131519"/>
+            </a:xfrm>
+          </p:grpSpPr>
+          <p:pic>
+            <p:nvPicPr>
+              <p:cNvPr id="113" name="Picture 2" descr="Folder Icon | | Vector Images Icon Sign And Symbols">
+                <a:extLst>
+                  <a:ext uri="{FF2B5EF4-FFF2-40B4-BE49-F238E27FC236}">
+                    <a16:creationId xmlns:a16="http://schemas.microsoft.com/office/drawing/2014/main" id="{37E46E9C-F583-456E-8C13-77CBCAEF2F2E}"/>
+                  </a:ext>
+                </a:extLst>
+              </p:cNvPr>
+              <p:cNvPicPr>
+                <a:picLocks noChangeAspect="1" noChangeArrowheads="1"/>
+              </p:cNvPicPr>
+              <p:nvPr/>
+            </p:nvPicPr>
+            <p:blipFill>
+              <a:blip r:embed="rId2">
+                <a:extLst>
+                  <a:ext uri="{28A0092B-C50C-407E-A947-70E740481C1C}">
+                    <a14:useLocalDpi xmlns:a14="http://schemas.microsoft.com/office/drawing/2010/main" val="0"/>
+                  </a:ext>
+                </a:extLst>
+              </a:blip>
+              <a:srcRect/>
+              <a:stretch>
+                <a:fillRect/>
+              </a:stretch>
+            </p:blipFill>
+            <p:spPr bwMode="auto">
+              <a:xfrm>
+                <a:off x="1714964" y="1367475"/>
+                <a:ext cx="731409" cy="731409"/>
+              </a:xfrm>
+              <a:prstGeom prst="rect">
+                <a:avLst/>
+              </a:prstGeom>
+              <a:noFill/>
+              <a:extLst>
+                <a:ext uri="{909E8E84-426E-40DD-AFC4-6F175D3DCCD1}">
+                  <a14:hiddenFill xmlns:a14="http://schemas.microsoft.com/office/drawing/2010/main">
+                    <a:solidFill>
+                      <a:srgbClr val="FFFFFF"/>
+                    </a:solidFill>
+                  </a14:hiddenFill>
+                </a:ext>
+              </a:extLst>
+            </p:spPr>
+          </p:pic>
+          <p:sp>
+            <p:nvSpPr>
+              <p:cNvPr id="114" name="TextBox 113">
+                <a:extLst>
+                  <a:ext uri="{FF2B5EF4-FFF2-40B4-BE49-F238E27FC236}">
+                    <a16:creationId xmlns:a16="http://schemas.microsoft.com/office/drawing/2014/main" id="{3B5ADDC8-3BF1-4CC2-96AA-7AFC2E033D75}"/>
+                  </a:ext>
+                </a:extLst>
+              </p:cNvPr>
+              <p:cNvSpPr txBox="1"/>
+              <p:nvPr/>
+            </p:nvSpPr>
+            <p:spPr>
+              <a:xfrm>
+                <a:off x="1647217" y="2098884"/>
+                <a:ext cx="908295" cy="400110"/>
+              </a:xfrm>
+              <a:prstGeom prst="rect">
+                <a:avLst/>
+              </a:prstGeom>
+              <a:noFill/>
+            </p:spPr>
+            <p:txBody>
+              <a:bodyPr wrap="square" rtlCol="0">
+                <a:spAutoFit/>
+              </a:bodyPr>
+              <a:lstStyle/>
+              <a:p>
+                <a:pPr algn="ctr"/>
+                <a:r>
+                  <a:rPr lang="en-US" sz="1000" dirty="0" err="1"/>
+                  <a:t>geographic_wh</a:t>
+                </a:r>
+                <a:endParaRPr lang="en-US" sz="1100" dirty="0"/>
+              </a:p>
+            </p:txBody>
+          </p:sp>
+        </p:grpSp>
+        <p:grpSp>
+          <p:nvGrpSpPr>
+            <p:cNvPr id="104" name="Group 103">
+              <a:extLst>
+                <a:ext uri="{FF2B5EF4-FFF2-40B4-BE49-F238E27FC236}">
+                  <a16:creationId xmlns:a16="http://schemas.microsoft.com/office/drawing/2014/main" id="{4F8ADA26-6049-418B-B1F5-3E51D7FC8796}"/>
+                </a:ext>
+              </a:extLst>
+            </p:cNvPr>
+            <p:cNvGrpSpPr/>
+            <p:nvPr/>
+          </p:nvGrpSpPr>
+          <p:grpSpPr>
+            <a:xfrm>
+              <a:off x="3096515" y="3179646"/>
+              <a:ext cx="831386" cy="1162296"/>
+              <a:chOff x="1664974" y="1367475"/>
+              <a:chExt cx="831386" cy="1162296"/>
+            </a:xfrm>
+          </p:grpSpPr>
+          <p:pic>
+            <p:nvPicPr>
+              <p:cNvPr id="111" name="Picture 2" descr="Folder Icon | | Vector Images Icon Sign And Symbols">
+                <a:extLst>
+                  <a:ext uri="{FF2B5EF4-FFF2-40B4-BE49-F238E27FC236}">
+                    <a16:creationId xmlns:a16="http://schemas.microsoft.com/office/drawing/2014/main" id="{33C2C221-52FB-46ED-9ECC-3B0DED725341}"/>
+                  </a:ext>
+                </a:extLst>
+              </p:cNvPr>
+              <p:cNvPicPr>
+                <a:picLocks noChangeAspect="1" noChangeArrowheads="1"/>
+              </p:cNvPicPr>
+              <p:nvPr/>
+            </p:nvPicPr>
+            <p:blipFill>
+              <a:blip r:embed="rId2">
+                <a:extLst>
+                  <a:ext uri="{28A0092B-C50C-407E-A947-70E740481C1C}">
+                    <a14:useLocalDpi xmlns:a14="http://schemas.microsoft.com/office/drawing/2010/main" val="0"/>
+                  </a:ext>
+                </a:extLst>
+              </a:blip>
+              <a:srcRect/>
+              <a:stretch>
+                <a:fillRect/>
+              </a:stretch>
+            </p:blipFill>
+            <p:spPr bwMode="auto">
+              <a:xfrm>
+                <a:off x="1714964" y="1367475"/>
+                <a:ext cx="731409" cy="731409"/>
+              </a:xfrm>
+              <a:prstGeom prst="rect">
+                <a:avLst/>
+              </a:prstGeom>
+              <a:noFill/>
+              <a:extLst>
+                <a:ext uri="{909E8E84-426E-40DD-AFC4-6F175D3DCCD1}">
+                  <a14:hiddenFill xmlns:a14="http://schemas.microsoft.com/office/drawing/2010/main">
+                    <a:solidFill>
+                      <a:srgbClr val="FFFFFF"/>
+                    </a:solidFill>
+                  </a14:hiddenFill>
+                </a:ext>
+              </a:extLst>
+            </p:spPr>
+          </p:pic>
+          <p:sp>
+            <p:nvSpPr>
+              <p:cNvPr id="112" name="TextBox 111">
+                <a:extLst>
+                  <a:ext uri="{FF2B5EF4-FFF2-40B4-BE49-F238E27FC236}">
+                    <a16:creationId xmlns:a16="http://schemas.microsoft.com/office/drawing/2014/main" id="{7BFD5F6F-8487-4F17-8EE3-24B10EB1C097}"/>
+                  </a:ext>
+                </a:extLst>
+              </p:cNvPr>
+              <p:cNvSpPr txBox="1"/>
+              <p:nvPr/>
+            </p:nvSpPr>
+            <p:spPr>
+              <a:xfrm>
+                <a:off x="1664974" y="2098884"/>
+                <a:ext cx="831386" cy="430887"/>
+              </a:xfrm>
+              <a:prstGeom prst="rect">
+                <a:avLst/>
+              </a:prstGeom>
+              <a:noFill/>
+            </p:spPr>
+            <p:txBody>
+              <a:bodyPr wrap="square" rtlCol="0">
+                <a:spAutoFit/>
+              </a:bodyPr>
+              <a:lstStyle/>
+              <a:p>
+                <a:pPr algn="ctr"/>
+                <a:r>
+                  <a:rPr lang="en-US" sz="1100" dirty="0" err="1"/>
+                  <a:t>statistics_wh</a:t>
+                </a:r>
+                <a:endParaRPr lang="en-US" sz="1400" dirty="0"/>
+              </a:p>
+            </p:txBody>
+          </p:sp>
+        </p:grpSp>
+        <p:grpSp>
+          <p:nvGrpSpPr>
+            <p:cNvPr id="105" name="Group 104">
+              <a:extLst>
+                <a:ext uri="{FF2B5EF4-FFF2-40B4-BE49-F238E27FC236}">
+                  <a16:creationId xmlns:a16="http://schemas.microsoft.com/office/drawing/2014/main" id="{D0B7B42E-5A33-481A-A349-A3566E8D7A14}"/>
+                </a:ext>
+              </a:extLst>
+            </p:cNvPr>
+            <p:cNvGrpSpPr/>
+            <p:nvPr/>
+          </p:nvGrpSpPr>
+          <p:grpSpPr>
+            <a:xfrm>
+              <a:off x="2212027" y="3886484"/>
+              <a:ext cx="831386" cy="1254629"/>
+              <a:chOff x="1664974" y="1367475"/>
+              <a:chExt cx="831386" cy="1254629"/>
+            </a:xfrm>
+          </p:grpSpPr>
+          <p:pic>
+            <p:nvPicPr>
+              <p:cNvPr id="109" name="Picture 2" descr="Folder Icon | | Vector Images Icon Sign And Symbols">
+                <a:extLst>
+                  <a:ext uri="{FF2B5EF4-FFF2-40B4-BE49-F238E27FC236}">
+                    <a16:creationId xmlns:a16="http://schemas.microsoft.com/office/drawing/2014/main" id="{DA1B2229-531B-480D-BF03-5AAF5B40C8B7}"/>
+                  </a:ext>
+                </a:extLst>
+              </p:cNvPr>
+              <p:cNvPicPr>
+                <a:picLocks noChangeAspect="1" noChangeArrowheads="1"/>
+              </p:cNvPicPr>
+              <p:nvPr/>
+            </p:nvPicPr>
+            <p:blipFill>
+              <a:blip r:embed="rId2">
+                <a:extLst>
+                  <a:ext uri="{28A0092B-C50C-407E-A947-70E740481C1C}">
+                    <a14:useLocalDpi xmlns:a14="http://schemas.microsoft.com/office/drawing/2010/main" val="0"/>
+                  </a:ext>
+                </a:extLst>
+              </a:blip>
+              <a:srcRect/>
+              <a:stretch>
+                <a:fillRect/>
+              </a:stretch>
+            </p:blipFill>
+            <p:spPr bwMode="auto">
+              <a:xfrm>
+                <a:off x="1714964" y="1367475"/>
+                <a:ext cx="731409" cy="731409"/>
+              </a:xfrm>
+              <a:prstGeom prst="rect">
+                <a:avLst/>
+              </a:prstGeom>
+              <a:noFill/>
+              <a:extLst>
+                <a:ext uri="{909E8E84-426E-40DD-AFC4-6F175D3DCCD1}">
+                  <a14:hiddenFill xmlns:a14="http://schemas.microsoft.com/office/drawing/2010/main">
+                    <a:solidFill>
+                      <a:srgbClr val="FFFFFF"/>
+                    </a:solidFill>
+                  </a14:hiddenFill>
+                </a:ext>
+              </a:extLst>
+            </p:spPr>
+          </p:pic>
+          <p:sp>
+            <p:nvSpPr>
+              <p:cNvPr id="110" name="TextBox 109">
+                <a:extLst>
+                  <a:ext uri="{FF2B5EF4-FFF2-40B4-BE49-F238E27FC236}">
+                    <a16:creationId xmlns:a16="http://schemas.microsoft.com/office/drawing/2014/main" id="{5E811A17-0976-4F83-8B5E-74DBD257BF7A}"/>
+                  </a:ext>
+                </a:extLst>
+              </p:cNvPr>
+              <p:cNvSpPr txBox="1"/>
+              <p:nvPr/>
+            </p:nvSpPr>
+            <p:spPr>
+              <a:xfrm>
+                <a:off x="1664974" y="2098884"/>
+                <a:ext cx="831386" cy="523220"/>
+              </a:xfrm>
+              <a:prstGeom prst="rect">
+                <a:avLst/>
+              </a:prstGeom>
+              <a:noFill/>
+            </p:spPr>
+            <p:txBody>
+              <a:bodyPr wrap="square" rtlCol="0">
+                <a:spAutoFit/>
+              </a:bodyPr>
+              <a:lstStyle/>
+              <a:p>
+                <a:pPr algn="ctr"/>
+                <a:r>
+                  <a:rPr lang="en-US" sz="1400" dirty="0" err="1"/>
+                  <a:t>teams_wh</a:t>
+                </a:r>
+                <a:endParaRPr lang="en-US" dirty="0"/>
+              </a:p>
+            </p:txBody>
+          </p:sp>
+        </p:grpSp>
+        <p:grpSp>
+          <p:nvGrpSpPr>
+            <p:cNvPr id="106" name="Group 105">
+              <a:extLst>
+                <a:ext uri="{FF2B5EF4-FFF2-40B4-BE49-F238E27FC236}">
+                  <a16:creationId xmlns:a16="http://schemas.microsoft.com/office/drawing/2014/main" id="{74AF07DA-6D99-490D-9A8C-83271AA8C673}"/>
+                </a:ext>
+              </a:extLst>
+            </p:cNvPr>
+            <p:cNvGrpSpPr/>
+            <p:nvPr/>
+          </p:nvGrpSpPr>
+          <p:grpSpPr>
+            <a:xfrm>
+              <a:off x="3096515" y="4409949"/>
+              <a:ext cx="831386" cy="1162296"/>
+              <a:chOff x="1664974" y="1367475"/>
+              <a:chExt cx="831386" cy="1162296"/>
+            </a:xfrm>
+          </p:grpSpPr>
+          <p:pic>
+            <p:nvPicPr>
+              <p:cNvPr id="107" name="Picture 2" descr="Folder Icon | | Vector Images Icon Sign And Symbols">
+                <a:extLst>
+                  <a:ext uri="{FF2B5EF4-FFF2-40B4-BE49-F238E27FC236}">
+                    <a16:creationId xmlns:a16="http://schemas.microsoft.com/office/drawing/2014/main" id="{FCBEA420-2F62-42EF-8E3F-2768FA612DB8}"/>
+                  </a:ext>
+                </a:extLst>
+              </p:cNvPr>
+              <p:cNvPicPr>
+                <a:picLocks noChangeAspect="1" noChangeArrowheads="1"/>
+              </p:cNvPicPr>
+              <p:nvPr/>
+            </p:nvPicPr>
+            <p:blipFill>
+              <a:blip r:embed="rId2">
+                <a:extLst>
+                  <a:ext uri="{28A0092B-C50C-407E-A947-70E740481C1C}">
+                    <a14:useLocalDpi xmlns:a14="http://schemas.microsoft.com/office/drawing/2010/main" val="0"/>
+                  </a:ext>
+                </a:extLst>
+              </a:blip>
+              <a:srcRect/>
+              <a:stretch>
+                <a:fillRect/>
+              </a:stretch>
+            </p:blipFill>
+            <p:spPr bwMode="auto">
+              <a:xfrm>
+                <a:off x="1714964" y="1367475"/>
+                <a:ext cx="731409" cy="731409"/>
+              </a:xfrm>
+              <a:prstGeom prst="rect">
+                <a:avLst/>
+              </a:prstGeom>
+              <a:noFill/>
+              <a:extLst>
+                <a:ext uri="{909E8E84-426E-40DD-AFC4-6F175D3DCCD1}">
+                  <a14:hiddenFill xmlns:a14="http://schemas.microsoft.com/office/drawing/2010/main">
+                    <a:solidFill>
+                      <a:srgbClr val="FFFFFF"/>
+                    </a:solidFill>
+                  </a14:hiddenFill>
+                </a:ext>
+              </a:extLst>
+            </p:spPr>
+          </p:pic>
+          <p:sp>
+            <p:nvSpPr>
+              <p:cNvPr id="108" name="TextBox 107">
+                <a:extLst>
+                  <a:ext uri="{FF2B5EF4-FFF2-40B4-BE49-F238E27FC236}">
+                    <a16:creationId xmlns:a16="http://schemas.microsoft.com/office/drawing/2014/main" id="{3F550496-7BAD-411A-ADE6-DCAE4CB2EF0F}"/>
+                  </a:ext>
+                </a:extLst>
+              </p:cNvPr>
+              <p:cNvSpPr txBox="1"/>
+              <p:nvPr/>
+            </p:nvSpPr>
+            <p:spPr>
+              <a:xfrm>
+                <a:off x="1664974" y="2098884"/>
+                <a:ext cx="831386" cy="430887"/>
+              </a:xfrm>
+              <a:prstGeom prst="rect">
+                <a:avLst/>
+              </a:prstGeom>
+              <a:noFill/>
+            </p:spPr>
+            <p:txBody>
+              <a:bodyPr wrap="square" rtlCol="0">
+                <a:spAutoFit/>
+              </a:bodyPr>
+              <a:lstStyle/>
+              <a:p>
+                <a:pPr algn="ctr"/>
+                <a:r>
+                  <a:rPr lang="en-US" sz="1100" dirty="0" err="1"/>
+                  <a:t>weather_wh</a:t>
+                </a:r>
+                <a:endParaRPr lang="en-US" sz="1400" dirty="0"/>
+              </a:p>
+            </p:txBody>
+          </p:sp>
+        </p:grpSp>
+      </p:grpSp>
+      <p:grpSp>
+        <p:nvGrpSpPr>
+          <p:cNvPr id="23" name="Group 22">
+            <a:extLst>
+              <a:ext uri="{FF2B5EF4-FFF2-40B4-BE49-F238E27FC236}">
+                <a16:creationId xmlns:a16="http://schemas.microsoft.com/office/drawing/2014/main" id="{ED9FB8AE-50B6-4BCD-9110-33760543D1A2}"/>
+              </a:ext>
+            </a:extLst>
+          </p:cNvPr>
+          <p:cNvGrpSpPr/>
+          <p:nvPr/>
+        </p:nvGrpSpPr>
+        <p:grpSpPr>
+          <a:xfrm>
+            <a:off x="9293854" y="191542"/>
+            <a:ext cx="2680750" cy="6066186"/>
+            <a:chOff x="9293854" y="191542"/>
+            <a:chExt cx="2680750" cy="6066186"/>
+          </a:xfrm>
+        </p:grpSpPr>
+        <p:grpSp>
+          <p:nvGrpSpPr>
+            <p:cNvPr id="20" name="Group 19">
+              <a:extLst>
+                <a:ext uri="{FF2B5EF4-FFF2-40B4-BE49-F238E27FC236}">
+                  <a16:creationId xmlns:a16="http://schemas.microsoft.com/office/drawing/2014/main" id="{5054C406-7E16-416B-A99F-50B71D95BEF9}"/>
+                </a:ext>
+              </a:extLst>
+            </p:cNvPr>
+            <p:cNvGrpSpPr/>
+            <p:nvPr/>
+          </p:nvGrpSpPr>
+          <p:grpSpPr>
+            <a:xfrm>
+              <a:off x="9293854" y="191542"/>
+              <a:ext cx="831386" cy="1181374"/>
+              <a:chOff x="9311458" y="289046"/>
+              <a:chExt cx="831386" cy="1181374"/>
+            </a:xfrm>
+          </p:grpSpPr>
+          <p:pic>
+            <p:nvPicPr>
+              <p:cNvPr id="19" name="Picture 2" descr="Csv, file, plano icon">
+                <a:extLst>
+                  <a:ext uri="{FF2B5EF4-FFF2-40B4-BE49-F238E27FC236}">
+                    <a16:creationId xmlns:a16="http://schemas.microsoft.com/office/drawing/2014/main" id="{4B437600-E680-47C0-A83C-2F1509F9D3FB}"/>
+                  </a:ext>
+                </a:extLst>
+              </p:cNvPr>
+              <p:cNvPicPr>
+                <a:picLocks noChangeAspect="1" noChangeArrowheads="1"/>
+              </p:cNvPicPr>
+              <p:nvPr/>
+            </p:nvPicPr>
+            <p:blipFill>
+              <a:blip r:embed="rId3">
+                <a:extLst>
+                  <a:ext uri="{28A0092B-C50C-407E-A947-70E740481C1C}">
+                    <a14:useLocalDpi xmlns:a14="http://schemas.microsoft.com/office/drawing/2010/main" val="0"/>
+                  </a:ext>
+                </a:extLst>
+              </a:blip>
+              <a:srcRect/>
+              <a:stretch>
+                <a:fillRect/>
+              </a:stretch>
+            </p:blipFill>
+            <p:spPr bwMode="auto">
+              <a:xfrm>
+                <a:off x="9383147" y="289046"/>
+                <a:ext cx="688009" cy="688009"/>
+              </a:xfrm>
+              <a:prstGeom prst="rect">
+                <a:avLst/>
+              </a:prstGeom>
+              <a:noFill/>
+              <a:extLst>
+                <a:ext uri="{909E8E84-426E-40DD-AFC4-6F175D3DCCD1}">
+                  <a14:hiddenFill xmlns:a14="http://schemas.microsoft.com/office/drawing/2010/main">
+                    <a:solidFill>
+                      <a:srgbClr val="FFFFFF"/>
+                    </a:solidFill>
+                  </a14:hiddenFill>
+                </a:ext>
+              </a:extLst>
+            </p:spPr>
+          </p:pic>
+          <p:sp>
+            <p:nvSpPr>
+              <p:cNvPr id="125" name="TextBox 124">
+                <a:extLst>
+                  <a:ext uri="{FF2B5EF4-FFF2-40B4-BE49-F238E27FC236}">
+                    <a16:creationId xmlns:a16="http://schemas.microsoft.com/office/drawing/2014/main" id="{62586AE5-D607-4E27-ADEE-E1F90BACF163}"/>
+                  </a:ext>
+                </a:extLst>
+              </p:cNvPr>
+              <p:cNvSpPr txBox="1"/>
+              <p:nvPr/>
+            </p:nvSpPr>
+            <p:spPr>
+              <a:xfrm>
+                <a:off x="9311458" y="947200"/>
+                <a:ext cx="831386" cy="523220"/>
+              </a:xfrm>
+              <a:prstGeom prst="rect">
+                <a:avLst/>
+              </a:prstGeom>
+              <a:noFill/>
+            </p:spPr>
+            <p:txBody>
+              <a:bodyPr wrap="square" rtlCol="0">
+                <a:spAutoFit/>
+              </a:bodyPr>
+              <a:lstStyle/>
+              <a:p>
+                <a:pPr algn="ctr"/>
+                <a:r>
+                  <a:rPr lang="en-US" sz="1400" dirty="0" err="1"/>
+                  <a:t>dim.players</a:t>
+                </a:r>
+                <a:endParaRPr lang="en-US" dirty="0"/>
+              </a:p>
+            </p:txBody>
+          </p:sp>
+        </p:grpSp>
+        <p:grpSp>
+          <p:nvGrpSpPr>
+            <p:cNvPr id="126" name="Group 125">
+              <a:extLst>
+                <a:ext uri="{FF2B5EF4-FFF2-40B4-BE49-F238E27FC236}">
+                  <a16:creationId xmlns:a16="http://schemas.microsoft.com/office/drawing/2014/main" id="{4339C10F-70C1-4E3E-A50A-E67277DD3EE5}"/>
+                </a:ext>
+              </a:extLst>
+            </p:cNvPr>
+            <p:cNvGrpSpPr/>
+            <p:nvPr/>
+          </p:nvGrpSpPr>
+          <p:grpSpPr>
+            <a:xfrm>
+              <a:off x="9293854" y="1396605"/>
+              <a:ext cx="831386" cy="1181374"/>
+              <a:chOff x="9311458" y="289046"/>
+              <a:chExt cx="831386" cy="1181374"/>
+            </a:xfrm>
+          </p:grpSpPr>
+          <p:pic>
+            <p:nvPicPr>
+              <p:cNvPr id="127" name="Picture 2" descr="Csv, file, plano icon">
+                <a:extLst>
+                  <a:ext uri="{FF2B5EF4-FFF2-40B4-BE49-F238E27FC236}">
+                    <a16:creationId xmlns:a16="http://schemas.microsoft.com/office/drawing/2014/main" id="{9FBBE003-4CF6-4DCD-8C6E-389BBCAB20C1}"/>
+                  </a:ext>
+                </a:extLst>
+              </p:cNvPr>
+              <p:cNvPicPr>
+                <a:picLocks noChangeAspect="1" noChangeArrowheads="1"/>
+              </p:cNvPicPr>
+              <p:nvPr/>
+            </p:nvPicPr>
+            <p:blipFill>
+              <a:blip r:embed="rId3">
+                <a:extLst>
+                  <a:ext uri="{28A0092B-C50C-407E-A947-70E740481C1C}">
+                    <a14:useLocalDpi xmlns:a14="http://schemas.microsoft.com/office/drawing/2010/main" val="0"/>
+                  </a:ext>
+                </a:extLst>
+              </a:blip>
+              <a:srcRect/>
+              <a:stretch>
+                <a:fillRect/>
+              </a:stretch>
+            </p:blipFill>
+            <p:spPr bwMode="auto">
+              <a:xfrm>
+                <a:off x="9383147" y="289046"/>
+                <a:ext cx="688009" cy="688009"/>
+              </a:xfrm>
+              <a:prstGeom prst="rect">
+                <a:avLst/>
+              </a:prstGeom>
+              <a:noFill/>
+              <a:extLst>
+                <a:ext uri="{909E8E84-426E-40DD-AFC4-6F175D3DCCD1}">
+                  <a14:hiddenFill xmlns:a14="http://schemas.microsoft.com/office/drawing/2010/main">
+                    <a:solidFill>
+                      <a:srgbClr val="FFFFFF"/>
+                    </a:solidFill>
+                  </a14:hiddenFill>
+                </a:ext>
+              </a:extLst>
+            </p:spPr>
+          </p:pic>
+          <p:sp>
+            <p:nvSpPr>
+              <p:cNvPr id="128" name="TextBox 127">
+                <a:extLst>
+                  <a:ext uri="{FF2B5EF4-FFF2-40B4-BE49-F238E27FC236}">
+                    <a16:creationId xmlns:a16="http://schemas.microsoft.com/office/drawing/2014/main" id="{E20D7CE8-17BE-4D89-9261-3C6685466991}"/>
+                  </a:ext>
+                </a:extLst>
+              </p:cNvPr>
+              <p:cNvSpPr txBox="1"/>
+              <p:nvPr/>
+            </p:nvSpPr>
+            <p:spPr>
+              <a:xfrm>
+                <a:off x="9311458" y="947200"/>
+                <a:ext cx="831386" cy="523220"/>
+              </a:xfrm>
+              <a:prstGeom prst="rect">
+                <a:avLst/>
+              </a:prstGeom>
+              <a:noFill/>
+            </p:spPr>
+            <p:txBody>
+              <a:bodyPr wrap="square" rtlCol="0">
+                <a:spAutoFit/>
+              </a:bodyPr>
+              <a:lstStyle/>
+              <a:p>
+                <a:pPr algn="ctr"/>
+                <a:r>
+                  <a:rPr lang="en-US" sz="1400" dirty="0" err="1"/>
+                  <a:t>dim.colleges</a:t>
+                </a:r>
+                <a:endParaRPr lang="en-US" dirty="0"/>
+              </a:p>
+            </p:txBody>
+          </p:sp>
+        </p:grpSp>
+        <p:grpSp>
+          <p:nvGrpSpPr>
+            <p:cNvPr id="130" name="Group 129">
+              <a:extLst>
+                <a:ext uri="{FF2B5EF4-FFF2-40B4-BE49-F238E27FC236}">
+                  <a16:creationId xmlns:a16="http://schemas.microsoft.com/office/drawing/2014/main" id="{0018774F-D047-4FDC-A125-9D69C1D91115}"/>
+                </a:ext>
+              </a:extLst>
+            </p:cNvPr>
+            <p:cNvGrpSpPr/>
+            <p:nvPr/>
+          </p:nvGrpSpPr>
+          <p:grpSpPr>
+            <a:xfrm>
+              <a:off x="9293854" y="2604890"/>
+              <a:ext cx="831386" cy="1181374"/>
+              <a:chOff x="9311458" y="289046"/>
+              <a:chExt cx="831386" cy="1181374"/>
+            </a:xfrm>
+          </p:grpSpPr>
+          <p:pic>
+            <p:nvPicPr>
+              <p:cNvPr id="131" name="Picture 2" descr="Csv, file, plano icon">
+                <a:extLst>
+                  <a:ext uri="{FF2B5EF4-FFF2-40B4-BE49-F238E27FC236}">
+                    <a16:creationId xmlns:a16="http://schemas.microsoft.com/office/drawing/2014/main" id="{1B09DCAE-2E98-449B-93F2-148311C3F3C3}"/>
+                  </a:ext>
+                </a:extLst>
+              </p:cNvPr>
+              <p:cNvPicPr>
+                <a:picLocks noChangeAspect="1" noChangeArrowheads="1"/>
+              </p:cNvPicPr>
+              <p:nvPr/>
+            </p:nvPicPr>
+            <p:blipFill>
+              <a:blip r:embed="rId3">
+                <a:extLst>
+                  <a:ext uri="{28A0092B-C50C-407E-A947-70E740481C1C}">
+                    <a14:useLocalDpi xmlns:a14="http://schemas.microsoft.com/office/drawing/2010/main" val="0"/>
+                  </a:ext>
+                </a:extLst>
+              </a:blip>
+              <a:srcRect/>
+              <a:stretch>
+                <a:fillRect/>
+              </a:stretch>
+            </p:blipFill>
+            <p:spPr bwMode="auto">
+              <a:xfrm>
+                <a:off x="9383147" y="289046"/>
+                <a:ext cx="688009" cy="688009"/>
+              </a:xfrm>
+              <a:prstGeom prst="rect">
+                <a:avLst/>
+              </a:prstGeom>
+              <a:noFill/>
+              <a:extLst>
+                <a:ext uri="{909E8E84-426E-40DD-AFC4-6F175D3DCCD1}">
+                  <a14:hiddenFill xmlns:a14="http://schemas.microsoft.com/office/drawing/2010/main">
+                    <a:solidFill>
+                      <a:srgbClr val="FFFFFF"/>
+                    </a:solidFill>
+                  </a14:hiddenFill>
+                </a:ext>
+              </a:extLst>
+            </p:spPr>
+          </p:pic>
+          <p:sp>
+            <p:nvSpPr>
+              <p:cNvPr id="132" name="TextBox 131">
+                <a:extLst>
+                  <a:ext uri="{FF2B5EF4-FFF2-40B4-BE49-F238E27FC236}">
+                    <a16:creationId xmlns:a16="http://schemas.microsoft.com/office/drawing/2014/main" id="{E8229F8A-0C32-4B98-9A61-193B2017A366}"/>
+                  </a:ext>
+                </a:extLst>
+              </p:cNvPr>
+              <p:cNvSpPr txBox="1"/>
+              <p:nvPr/>
+            </p:nvSpPr>
+            <p:spPr>
+              <a:xfrm>
+                <a:off x="9311458" y="947200"/>
+                <a:ext cx="831386" cy="523220"/>
+              </a:xfrm>
+              <a:prstGeom prst="rect">
+                <a:avLst/>
+              </a:prstGeom>
+              <a:noFill/>
+            </p:spPr>
+            <p:txBody>
+              <a:bodyPr wrap="square" rtlCol="0">
+                <a:spAutoFit/>
+              </a:bodyPr>
+              <a:lstStyle/>
+              <a:p>
+                <a:pPr algn="ctr"/>
+                <a:r>
+                  <a:rPr lang="en-US" sz="1400" dirty="0" err="1"/>
+                  <a:t>dim.geography</a:t>
+                </a:r>
+                <a:endParaRPr lang="en-US" dirty="0"/>
+              </a:p>
+            </p:txBody>
+          </p:sp>
+        </p:grpSp>
+        <p:grpSp>
+          <p:nvGrpSpPr>
+            <p:cNvPr id="133" name="Group 132">
+              <a:extLst>
+                <a:ext uri="{FF2B5EF4-FFF2-40B4-BE49-F238E27FC236}">
+                  <a16:creationId xmlns:a16="http://schemas.microsoft.com/office/drawing/2014/main" id="{54C090C1-72A7-4E41-B586-974DA064638B}"/>
+                </a:ext>
+              </a:extLst>
+            </p:cNvPr>
+            <p:cNvGrpSpPr/>
+            <p:nvPr/>
+          </p:nvGrpSpPr>
+          <p:grpSpPr>
+            <a:xfrm>
+              <a:off x="10228658" y="191542"/>
+              <a:ext cx="831386" cy="1119819"/>
+              <a:chOff x="9311458" y="289046"/>
+              <a:chExt cx="831386" cy="1119819"/>
+            </a:xfrm>
+          </p:grpSpPr>
+          <p:pic>
+            <p:nvPicPr>
+              <p:cNvPr id="134" name="Picture 2" descr="Csv, file, plano icon">
+                <a:extLst>
+                  <a:ext uri="{FF2B5EF4-FFF2-40B4-BE49-F238E27FC236}">
+                    <a16:creationId xmlns:a16="http://schemas.microsoft.com/office/drawing/2014/main" id="{D9A57625-AC4F-46BE-BF91-E1861F585A3A}"/>
+                  </a:ext>
+                </a:extLst>
+              </p:cNvPr>
+              <p:cNvPicPr>
+                <a:picLocks noChangeAspect="1" noChangeArrowheads="1"/>
+              </p:cNvPicPr>
+              <p:nvPr/>
+            </p:nvPicPr>
+            <p:blipFill>
+              <a:blip r:embed="rId3">
+                <a:extLst>
+                  <a:ext uri="{28A0092B-C50C-407E-A947-70E740481C1C}">
+                    <a14:useLocalDpi xmlns:a14="http://schemas.microsoft.com/office/drawing/2010/main" val="0"/>
+                  </a:ext>
+                </a:extLst>
+              </a:blip>
+              <a:srcRect/>
+              <a:stretch>
+                <a:fillRect/>
+              </a:stretch>
+            </p:blipFill>
+            <p:spPr bwMode="auto">
+              <a:xfrm>
+                <a:off x="9383147" y="289046"/>
+                <a:ext cx="688009" cy="688009"/>
+              </a:xfrm>
+              <a:prstGeom prst="rect">
+                <a:avLst/>
+              </a:prstGeom>
+              <a:noFill/>
+              <a:extLst>
+                <a:ext uri="{909E8E84-426E-40DD-AFC4-6F175D3DCCD1}">
+                  <a14:hiddenFill xmlns:a14="http://schemas.microsoft.com/office/drawing/2010/main">
+                    <a:solidFill>
+                      <a:srgbClr val="FFFFFF"/>
+                    </a:solidFill>
+                  </a14:hiddenFill>
+                </a:ext>
+              </a:extLst>
+            </p:spPr>
+          </p:pic>
+          <p:sp>
+            <p:nvSpPr>
+              <p:cNvPr id="135" name="TextBox 134">
+                <a:extLst>
+                  <a:ext uri="{FF2B5EF4-FFF2-40B4-BE49-F238E27FC236}">
+                    <a16:creationId xmlns:a16="http://schemas.microsoft.com/office/drawing/2014/main" id="{7A1272B1-5328-4549-8C9C-D9F1D2730908}"/>
+                  </a:ext>
+                </a:extLst>
+              </p:cNvPr>
+              <p:cNvSpPr txBox="1"/>
+              <p:nvPr/>
+            </p:nvSpPr>
+            <p:spPr>
+              <a:xfrm>
+                <a:off x="9311458" y="947200"/>
+                <a:ext cx="831386" cy="461665"/>
+              </a:xfrm>
+              <a:prstGeom prst="rect">
+                <a:avLst/>
+              </a:prstGeom>
+              <a:noFill/>
+            </p:spPr>
+            <p:txBody>
+              <a:bodyPr wrap="square" rtlCol="0">
+                <a:spAutoFit/>
+              </a:bodyPr>
+              <a:lstStyle/>
+              <a:p>
+                <a:pPr algn="ctr"/>
+                <a:r>
+                  <a:rPr lang="en-US" sz="1200" dirty="0"/>
+                  <a:t>facts.college_stats</a:t>
+                </a:r>
+                <a:endParaRPr lang="en-US" sz="1600" dirty="0"/>
+              </a:p>
+            </p:txBody>
+          </p:sp>
+        </p:grpSp>
+        <p:grpSp>
+          <p:nvGrpSpPr>
+            <p:cNvPr id="136" name="Group 135">
+              <a:extLst>
+                <a:ext uri="{FF2B5EF4-FFF2-40B4-BE49-F238E27FC236}">
+                  <a16:creationId xmlns:a16="http://schemas.microsoft.com/office/drawing/2014/main" id="{FA629940-571C-496A-98A9-E264DF170D13}"/>
+                </a:ext>
+              </a:extLst>
+            </p:cNvPr>
+            <p:cNvGrpSpPr/>
+            <p:nvPr/>
+          </p:nvGrpSpPr>
+          <p:grpSpPr>
+            <a:xfrm>
+              <a:off x="10228658" y="1396605"/>
+              <a:ext cx="831386" cy="1181374"/>
+              <a:chOff x="9311458" y="289046"/>
+              <a:chExt cx="831386" cy="1181374"/>
+            </a:xfrm>
+          </p:grpSpPr>
+          <p:pic>
+            <p:nvPicPr>
+              <p:cNvPr id="137" name="Picture 2" descr="Csv, file, plano icon">
+                <a:extLst>
+                  <a:ext uri="{FF2B5EF4-FFF2-40B4-BE49-F238E27FC236}">
+                    <a16:creationId xmlns:a16="http://schemas.microsoft.com/office/drawing/2014/main" id="{4B612D5B-3E1C-47B8-91EC-90C69058B9DA}"/>
+                  </a:ext>
+                </a:extLst>
+              </p:cNvPr>
+              <p:cNvPicPr>
+                <a:picLocks noChangeAspect="1" noChangeArrowheads="1"/>
+              </p:cNvPicPr>
+              <p:nvPr/>
+            </p:nvPicPr>
+            <p:blipFill>
+              <a:blip r:embed="rId3">
+                <a:extLst>
+                  <a:ext uri="{28A0092B-C50C-407E-A947-70E740481C1C}">
+                    <a14:useLocalDpi xmlns:a14="http://schemas.microsoft.com/office/drawing/2010/main" val="0"/>
+                  </a:ext>
+                </a:extLst>
+              </a:blip>
+              <a:srcRect/>
+              <a:stretch>
+                <a:fillRect/>
+              </a:stretch>
+            </p:blipFill>
+            <p:spPr bwMode="auto">
+              <a:xfrm>
+                <a:off x="9383147" y="289046"/>
+                <a:ext cx="688009" cy="688009"/>
+              </a:xfrm>
+              <a:prstGeom prst="rect">
+                <a:avLst/>
+              </a:prstGeom>
+              <a:noFill/>
+              <a:extLst>
+                <a:ext uri="{909E8E84-426E-40DD-AFC4-6F175D3DCCD1}">
+                  <a14:hiddenFill xmlns:a14="http://schemas.microsoft.com/office/drawing/2010/main">
+                    <a:solidFill>
+                      <a:srgbClr val="FFFFFF"/>
+                    </a:solidFill>
+                  </a14:hiddenFill>
+                </a:ext>
+              </a:extLst>
+            </p:spPr>
+          </p:pic>
+          <p:sp>
+            <p:nvSpPr>
+              <p:cNvPr id="138" name="TextBox 137">
+                <a:extLst>
+                  <a:ext uri="{FF2B5EF4-FFF2-40B4-BE49-F238E27FC236}">
+                    <a16:creationId xmlns:a16="http://schemas.microsoft.com/office/drawing/2014/main" id="{E05146ED-0FB1-47B7-8FD3-EFC882E5DB9A}"/>
+                  </a:ext>
+                </a:extLst>
+              </p:cNvPr>
+              <p:cNvSpPr txBox="1"/>
+              <p:nvPr/>
+            </p:nvSpPr>
+            <p:spPr>
+              <a:xfrm>
+                <a:off x="9311458" y="947200"/>
+                <a:ext cx="831386" cy="523220"/>
+              </a:xfrm>
+              <a:prstGeom prst="rect">
+                <a:avLst/>
+              </a:prstGeom>
+              <a:noFill/>
+            </p:spPr>
+            <p:txBody>
+              <a:bodyPr wrap="square" rtlCol="0">
+                <a:spAutoFit/>
+              </a:bodyPr>
+              <a:lstStyle/>
+              <a:p>
+                <a:pPr algn="ctr"/>
+                <a:r>
+                  <a:rPr lang="en-US" sz="1400" dirty="0" err="1"/>
+                  <a:t>facts.draft</a:t>
+                </a:r>
+                <a:endParaRPr lang="en-US" dirty="0"/>
+              </a:p>
+            </p:txBody>
+          </p:sp>
+        </p:grpSp>
+        <p:grpSp>
+          <p:nvGrpSpPr>
+            <p:cNvPr id="139" name="Group 138">
+              <a:extLst>
+                <a:ext uri="{FF2B5EF4-FFF2-40B4-BE49-F238E27FC236}">
+                  <a16:creationId xmlns:a16="http://schemas.microsoft.com/office/drawing/2014/main" id="{EA57B8B1-8792-402C-BE8C-A8D94FCF5344}"/>
+                </a:ext>
+              </a:extLst>
+            </p:cNvPr>
+            <p:cNvGrpSpPr/>
+            <p:nvPr/>
+          </p:nvGrpSpPr>
+          <p:grpSpPr>
+            <a:xfrm>
+              <a:off x="11143218" y="191542"/>
+              <a:ext cx="831386" cy="1181374"/>
+              <a:chOff x="9311458" y="289046"/>
+              <a:chExt cx="831386" cy="1181374"/>
+            </a:xfrm>
+          </p:grpSpPr>
+          <p:pic>
+            <p:nvPicPr>
+              <p:cNvPr id="140" name="Picture 2" descr="Csv, file, plano icon">
+                <a:extLst>
+                  <a:ext uri="{FF2B5EF4-FFF2-40B4-BE49-F238E27FC236}">
+                    <a16:creationId xmlns:a16="http://schemas.microsoft.com/office/drawing/2014/main" id="{FE58D4D5-727D-41A4-8562-78D256AF84C3}"/>
+                  </a:ext>
+                </a:extLst>
+              </p:cNvPr>
+              <p:cNvPicPr>
+                <a:picLocks noChangeAspect="1" noChangeArrowheads="1"/>
+              </p:cNvPicPr>
+              <p:nvPr/>
+            </p:nvPicPr>
+            <p:blipFill>
+              <a:blip r:embed="rId3">
+                <a:extLst>
+                  <a:ext uri="{28A0092B-C50C-407E-A947-70E740481C1C}">
+                    <a14:useLocalDpi xmlns:a14="http://schemas.microsoft.com/office/drawing/2010/main" val="0"/>
+                  </a:ext>
+                </a:extLst>
+              </a:blip>
+              <a:srcRect/>
+              <a:stretch>
+                <a:fillRect/>
+              </a:stretch>
+            </p:blipFill>
+            <p:spPr bwMode="auto">
+              <a:xfrm>
+                <a:off x="9383147" y="289046"/>
+                <a:ext cx="688009" cy="688009"/>
+              </a:xfrm>
+              <a:prstGeom prst="rect">
+                <a:avLst/>
+              </a:prstGeom>
+              <a:noFill/>
+              <a:extLst>
+                <a:ext uri="{909E8E84-426E-40DD-AFC4-6F175D3DCCD1}">
+                  <a14:hiddenFill xmlns:a14="http://schemas.microsoft.com/office/drawing/2010/main">
+                    <a:solidFill>
+                      <a:srgbClr val="FFFFFF"/>
+                    </a:solidFill>
+                  </a14:hiddenFill>
+                </a:ext>
+              </a:extLst>
+            </p:spPr>
+          </p:pic>
+          <p:sp>
+            <p:nvSpPr>
+              <p:cNvPr id="141" name="TextBox 140">
+                <a:extLst>
+                  <a:ext uri="{FF2B5EF4-FFF2-40B4-BE49-F238E27FC236}">
+                    <a16:creationId xmlns:a16="http://schemas.microsoft.com/office/drawing/2014/main" id="{315C546A-3F41-4518-808F-B705F39410AB}"/>
+                  </a:ext>
+                </a:extLst>
+              </p:cNvPr>
+              <p:cNvSpPr txBox="1"/>
+              <p:nvPr/>
+            </p:nvSpPr>
+            <p:spPr>
+              <a:xfrm>
+                <a:off x="9311458" y="947200"/>
+                <a:ext cx="831386" cy="523220"/>
+              </a:xfrm>
+              <a:prstGeom prst="rect">
+                <a:avLst/>
+              </a:prstGeom>
+              <a:noFill/>
+            </p:spPr>
+            <p:txBody>
+              <a:bodyPr wrap="square" rtlCol="0">
+                <a:spAutoFit/>
+              </a:bodyPr>
+              <a:lstStyle/>
+              <a:p>
+                <a:pPr algn="ctr"/>
+                <a:r>
+                  <a:rPr lang="en-US" sz="1400" dirty="0" err="1"/>
+                  <a:t>facts.workout</a:t>
+                </a:r>
+                <a:endParaRPr lang="en-US" dirty="0"/>
+              </a:p>
+            </p:txBody>
+          </p:sp>
+        </p:grpSp>
+        <p:grpSp>
+          <p:nvGrpSpPr>
+            <p:cNvPr id="142" name="Group 141">
+              <a:extLst>
+                <a:ext uri="{FF2B5EF4-FFF2-40B4-BE49-F238E27FC236}">
+                  <a16:creationId xmlns:a16="http://schemas.microsoft.com/office/drawing/2014/main" id="{1244CE58-8679-4C05-B6E6-20B216FAF7E9}"/>
+                </a:ext>
+              </a:extLst>
+            </p:cNvPr>
+            <p:cNvGrpSpPr/>
+            <p:nvPr/>
+          </p:nvGrpSpPr>
+          <p:grpSpPr>
+            <a:xfrm>
+              <a:off x="11143218" y="1396605"/>
+              <a:ext cx="831386" cy="1089041"/>
+              <a:chOff x="9311458" y="289046"/>
+              <a:chExt cx="831386" cy="1089041"/>
+            </a:xfrm>
+          </p:grpSpPr>
+          <p:pic>
+            <p:nvPicPr>
+              <p:cNvPr id="143" name="Picture 2" descr="Csv, file, plano icon">
+                <a:extLst>
+                  <a:ext uri="{FF2B5EF4-FFF2-40B4-BE49-F238E27FC236}">
+                    <a16:creationId xmlns:a16="http://schemas.microsoft.com/office/drawing/2014/main" id="{11C8D0D1-FEC8-4E91-BE32-EA3C679256DD}"/>
+                  </a:ext>
+                </a:extLst>
+              </p:cNvPr>
+              <p:cNvPicPr>
+                <a:picLocks noChangeAspect="1" noChangeArrowheads="1"/>
+              </p:cNvPicPr>
+              <p:nvPr/>
+            </p:nvPicPr>
+            <p:blipFill>
+              <a:blip r:embed="rId3">
+                <a:extLst>
+                  <a:ext uri="{28A0092B-C50C-407E-A947-70E740481C1C}">
+                    <a14:useLocalDpi xmlns:a14="http://schemas.microsoft.com/office/drawing/2010/main" val="0"/>
+                  </a:ext>
+                </a:extLst>
+              </a:blip>
+              <a:srcRect/>
+              <a:stretch>
+                <a:fillRect/>
+              </a:stretch>
+            </p:blipFill>
+            <p:spPr bwMode="auto">
+              <a:xfrm>
+                <a:off x="9383147" y="289046"/>
+                <a:ext cx="688009" cy="688009"/>
+              </a:xfrm>
+              <a:prstGeom prst="rect">
+                <a:avLst/>
+              </a:prstGeom>
+              <a:noFill/>
+              <a:extLst>
+                <a:ext uri="{909E8E84-426E-40DD-AFC4-6F175D3DCCD1}">
+                  <a14:hiddenFill xmlns:a14="http://schemas.microsoft.com/office/drawing/2010/main">
+                    <a:solidFill>
+                      <a:srgbClr val="FFFFFF"/>
+                    </a:solidFill>
+                  </a14:hiddenFill>
+                </a:ext>
+              </a:extLst>
+            </p:spPr>
+          </p:pic>
+          <p:sp>
+            <p:nvSpPr>
+              <p:cNvPr id="144" name="TextBox 143">
+                <a:extLst>
+                  <a:ext uri="{FF2B5EF4-FFF2-40B4-BE49-F238E27FC236}">
+                    <a16:creationId xmlns:a16="http://schemas.microsoft.com/office/drawing/2014/main" id="{B3A8E334-6A72-4371-B844-0FDC62EDAF04}"/>
+                  </a:ext>
+                </a:extLst>
+              </p:cNvPr>
+              <p:cNvSpPr txBox="1"/>
+              <p:nvPr/>
+            </p:nvSpPr>
+            <p:spPr>
+              <a:xfrm>
+                <a:off x="9311458" y="947200"/>
+                <a:ext cx="831386" cy="430887"/>
+              </a:xfrm>
+              <a:prstGeom prst="rect">
+                <a:avLst/>
+              </a:prstGeom>
+              <a:noFill/>
+            </p:spPr>
+            <p:txBody>
+              <a:bodyPr wrap="square" rtlCol="0">
+                <a:spAutoFit/>
+              </a:bodyPr>
+              <a:lstStyle/>
+              <a:p>
+                <a:pPr algn="ctr"/>
+                <a:r>
+                  <a:rPr lang="en-US" sz="1100" dirty="0"/>
+                  <a:t>facts.madden_ranking</a:t>
+                </a:r>
+                <a:endParaRPr lang="en-US" sz="1400" dirty="0"/>
+              </a:p>
+            </p:txBody>
+          </p:sp>
+        </p:grpSp>
+        <p:grpSp>
+          <p:nvGrpSpPr>
+            <p:cNvPr id="145" name="Group 144">
+              <a:extLst>
+                <a:ext uri="{FF2B5EF4-FFF2-40B4-BE49-F238E27FC236}">
+                  <a16:creationId xmlns:a16="http://schemas.microsoft.com/office/drawing/2014/main" id="{CE662CF1-AAC3-41FA-82C0-113CA1BA0AA6}"/>
+                </a:ext>
+              </a:extLst>
+            </p:cNvPr>
+            <p:cNvGrpSpPr/>
+            <p:nvPr/>
+          </p:nvGrpSpPr>
+          <p:grpSpPr>
+            <a:xfrm>
+              <a:off x="10228658" y="2604890"/>
+              <a:ext cx="831386" cy="1181374"/>
+              <a:chOff x="9311458" y="289046"/>
+              <a:chExt cx="831386" cy="1181374"/>
+            </a:xfrm>
+          </p:grpSpPr>
+          <p:pic>
+            <p:nvPicPr>
+              <p:cNvPr id="146" name="Picture 2" descr="Csv, file, plano icon">
+                <a:extLst>
+                  <a:ext uri="{FF2B5EF4-FFF2-40B4-BE49-F238E27FC236}">
+                    <a16:creationId xmlns:a16="http://schemas.microsoft.com/office/drawing/2014/main" id="{BD704C39-0F6C-4A7A-941C-B0109C529489}"/>
+                  </a:ext>
+                </a:extLst>
+              </p:cNvPr>
+              <p:cNvPicPr>
+                <a:picLocks noChangeAspect="1" noChangeArrowheads="1"/>
+              </p:cNvPicPr>
+              <p:nvPr/>
+            </p:nvPicPr>
+            <p:blipFill>
+              <a:blip r:embed="rId3">
+                <a:extLst>
+                  <a:ext uri="{28A0092B-C50C-407E-A947-70E740481C1C}">
+                    <a14:useLocalDpi xmlns:a14="http://schemas.microsoft.com/office/drawing/2010/main" val="0"/>
+                  </a:ext>
+                </a:extLst>
+              </a:blip>
+              <a:srcRect/>
+              <a:stretch>
+                <a:fillRect/>
+              </a:stretch>
+            </p:blipFill>
+            <p:spPr bwMode="auto">
+              <a:xfrm>
+                <a:off x="9383147" y="289046"/>
+                <a:ext cx="688009" cy="688009"/>
+              </a:xfrm>
+              <a:prstGeom prst="rect">
+                <a:avLst/>
+              </a:prstGeom>
+              <a:noFill/>
+              <a:extLst>
+                <a:ext uri="{909E8E84-426E-40DD-AFC4-6F175D3DCCD1}">
+                  <a14:hiddenFill xmlns:a14="http://schemas.microsoft.com/office/drawing/2010/main">
+                    <a:solidFill>
+                      <a:srgbClr val="FFFFFF"/>
+                    </a:solidFill>
+                  </a14:hiddenFill>
+                </a:ext>
+              </a:extLst>
+            </p:spPr>
+          </p:pic>
+          <p:sp>
+            <p:nvSpPr>
+              <p:cNvPr id="147" name="TextBox 146">
+                <a:extLst>
+                  <a:ext uri="{FF2B5EF4-FFF2-40B4-BE49-F238E27FC236}">
+                    <a16:creationId xmlns:a16="http://schemas.microsoft.com/office/drawing/2014/main" id="{99A371F6-E673-4EA8-9358-12D4798D9F89}"/>
+                  </a:ext>
+                </a:extLst>
+              </p:cNvPr>
+              <p:cNvSpPr txBox="1"/>
+              <p:nvPr/>
+            </p:nvSpPr>
+            <p:spPr>
+              <a:xfrm>
+                <a:off x="9311458" y="947200"/>
+                <a:ext cx="831386" cy="523220"/>
+              </a:xfrm>
+              <a:prstGeom prst="rect">
+                <a:avLst/>
+              </a:prstGeom>
+              <a:noFill/>
+            </p:spPr>
+            <p:txBody>
+              <a:bodyPr wrap="square" rtlCol="0">
+                <a:spAutoFit/>
+              </a:bodyPr>
+              <a:lstStyle/>
+              <a:p>
+                <a:pPr algn="ctr"/>
+                <a:r>
+                  <a:rPr lang="en-US" sz="1400" dirty="0" err="1"/>
+                  <a:t>facts.weather</a:t>
+                </a:r>
+                <a:endParaRPr lang="en-US" dirty="0"/>
+              </a:p>
+            </p:txBody>
+          </p:sp>
+        </p:grpSp>
+        <p:grpSp>
+          <p:nvGrpSpPr>
+            <p:cNvPr id="148" name="Group 147">
+              <a:extLst>
+                <a:ext uri="{FF2B5EF4-FFF2-40B4-BE49-F238E27FC236}">
+                  <a16:creationId xmlns:a16="http://schemas.microsoft.com/office/drawing/2014/main" id="{3D5B4955-0C69-4E56-A9E2-246EA02122C9}"/>
+                </a:ext>
+              </a:extLst>
+            </p:cNvPr>
+            <p:cNvGrpSpPr/>
+            <p:nvPr/>
+          </p:nvGrpSpPr>
+          <p:grpSpPr>
+            <a:xfrm>
+              <a:off x="9293854" y="3855151"/>
+              <a:ext cx="831386" cy="1181374"/>
+              <a:chOff x="9311458" y="289046"/>
+              <a:chExt cx="831386" cy="1181374"/>
+            </a:xfrm>
+          </p:grpSpPr>
+          <p:pic>
+            <p:nvPicPr>
+              <p:cNvPr id="149" name="Picture 2" descr="Csv, file, plano icon">
+                <a:extLst>
+                  <a:ext uri="{FF2B5EF4-FFF2-40B4-BE49-F238E27FC236}">
+                    <a16:creationId xmlns:a16="http://schemas.microsoft.com/office/drawing/2014/main" id="{2F3F1897-579A-4D2A-ABAC-81D395B6515C}"/>
+                  </a:ext>
+                </a:extLst>
+              </p:cNvPr>
+              <p:cNvPicPr>
+                <a:picLocks noChangeAspect="1" noChangeArrowheads="1"/>
+              </p:cNvPicPr>
+              <p:nvPr/>
+            </p:nvPicPr>
+            <p:blipFill>
+              <a:blip r:embed="rId3">
+                <a:extLst>
+                  <a:ext uri="{28A0092B-C50C-407E-A947-70E740481C1C}">
+                    <a14:useLocalDpi xmlns:a14="http://schemas.microsoft.com/office/drawing/2010/main" val="0"/>
+                  </a:ext>
+                </a:extLst>
+              </a:blip>
+              <a:srcRect/>
+              <a:stretch>
+                <a:fillRect/>
+              </a:stretch>
+            </p:blipFill>
+            <p:spPr bwMode="auto">
+              <a:xfrm>
+                <a:off x="9383147" y="289046"/>
+                <a:ext cx="688009" cy="688009"/>
+              </a:xfrm>
+              <a:prstGeom prst="rect">
+                <a:avLst/>
+              </a:prstGeom>
+              <a:noFill/>
+              <a:extLst>
+                <a:ext uri="{909E8E84-426E-40DD-AFC4-6F175D3DCCD1}">
+                  <a14:hiddenFill xmlns:a14="http://schemas.microsoft.com/office/drawing/2010/main">
+                    <a:solidFill>
+                      <a:srgbClr val="FFFFFF"/>
+                    </a:solidFill>
+                  </a14:hiddenFill>
+                </a:ext>
+              </a:extLst>
+            </p:spPr>
+          </p:pic>
+          <p:sp>
+            <p:nvSpPr>
+              <p:cNvPr id="150" name="TextBox 149">
+                <a:extLst>
+                  <a:ext uri="{FF2B5EF4-FFF2-40B4-BE49-F238E27FC236}">
+                    <a16:creationId xmlns:a16="http://schemas.microsoft.com/office/drawing/2014/main" id="{D576922E-D620-4006-96FE-7BA4F3273270}"/>
+                  </a:ext>
+                </a:extLst>
+              </p:cNvPr>
+              <p:cNvSpPr txBox="1"/>
+              <p:nvPr/>
+            </p:nvSpPr>
+            <p:spPr>
+              <a:xfrm>
+                <a:off x="9311458" y="947200"/>
+                <a:ext cx="831386" cy="523220"/>
+              </a:xfrm>
+              <a:prstGeom prst="rect">
+                <a:avLst/>
+              </a:prstGeom>
+              <a:noFill/>
+            </p:spPr>
+            <p:txBody>
+              <a:bodyPr wrap="square" rtlCol="0">
+                <a:spAutoFit/>
+              </a:bodyPr>
+              <a:lstStyle/>
+              <a:p>
+                <a:pPr algn="ctr"/>
+                <a:r>
+                  <a:rPr lang="en-US" sz="1400" dirty="0" err="1"/>
+                  <a:t>dim.time</a:t>
+                </a:r>
+                <a:endParaRPr lang="en-US" dirty="0"/>
+              </a:p>
+            </p:txBody>
+          </p:sp>
+        </p:grpSp>
+        <p:grpSp>
+          <p:nvGrpSpPr>
+            <p:cNvPr id="151" name="Group 150">
+              <a:extLst>
+                <a:ext uri="{FF2B5EF4-FFF2-40B4-BE49-F238E27FC236}">
+                  <a16:creationId xmlns:a16="http://schemas.microsoft.com/office/drawing/2014/main" id="{B1A362A4-76DE-46AC-A062-E42E06EDBE39}"/>
+                </a:ext>
+              </a:extLst>
+            </p:cNvPr>
+            <p:cNvGrpSpPr/>
+            <p:nvPr/>
+          </p:nvGrpSpPr>
+          <p:grpSpPr>
+            <a:xfrm>
+              <a:off x="9293854" y="5076354"/>
+              <a:ext cx="831386" cy="1181374"/>
+              <a:chOff x="9311458" y="289046"/>
+              <a:chExt cx="831386" cy="1181374"/>
+            </a:xfrm>
+          </p:grpSpPr>
+          <p:pic>
+            <p:nvPicPr>
+              <p:cNvPr id="152" name="Picture 2" descr="Csv, file, plano icon">
+                <a:extLst>
+                  <a:ext uri="{FF2B5EF4-FFF2-40B4-BE49-F238E27FC236}">
+                    <a16:creationId xmlns:a16="http://schemas.microsoft.com/office/drawing/2014/main" id="{E220E417-B377-46C3-A281-3EC150F92227}"/>
+                  </a:ext>
+                </a:extLst>
+              </p:cNvPr>
+              <p:cNvPicPr>
+                <a:picLocks noChangeAspect="1" noChangeArrowheads="1"/>
+              </p:cNvPicPr>
+              <p:nvPr/>
+            </p:nvPicPr>
+            <p:blipFill>
+              <a:blip r:embed="rId3">
+                <a:extLst>
+                  <a:ext uri="{28A0092B-C50C-407E-A947-70E740481C1C}">
+                    <a14:useLocalDpi xmlns:a14="http://schemas.microsoft.com/office/drawing/2010/main" val="0"/>
+                  </a:ext>
+                </a:extLst>
+              </a:blip>
+              <a:srcRect/>
+              <a:stretch>
+                <a:fillRect/>
+              </a:stretch>
+            </p:blipFill>
+            <p:spPr bwMode="auto">
+              <a:xfrm>
+                <a:off x="9383147" y="289046"/>
+                <a:ext cx="688009" cy="688009"/>
+              </a:xfrm>
+              <a:prstGeom prst="rect">
+                <a:avLst/>
+              </a:prstGeom>
+              <a:noFill/>
+              <a:extLst>
+                <a:ext uri="{909E8E84-426E-40DD-AFC4-6F175D3DCCD1}">
+                  <a14:hiddenFill xmlns:a14="http://schemas.microsoft.com/office/drawing/2010/main">
+                    <a:solidFill>
+                      <a:srgbClr val="FFFFFF"/>
+                    </a:solidFill>
+                  </a14:hiddenFill>
+                </a:ext>
+              </a:extLst>
+            </p:spPr>
+          </p:pic>
+          <p:sp>
+            <p:nvSpPr>
+              <p:cNvPr id="153" name="TextBox 152">
+                <a:extLst>
+                  <a:ext uri="{FF2B5EF4-FFF2-40B4-BE49-F238E27FC236}">
+                    <a16:creationId xmlns:a16="http://schemas.microsoft.com/office/drawing/2014/main" id="{41E5117C-323C-4385-9B8E-D6966AA66C56}"/>
+                  </a:ext>
+                </a:extLst>
+              </p:cNvPr>
+              <p:cNvSpPr txBox="1"/>
+              <p:nvPr/>
+            </p:nvSpPr>
+            <p:spPr>
+              <a:xfrm>
+                <a:off x="9311458" y="947200"/>
+                <a:ext cx="831386" cy="523220"/>
+              </a:xfrm>
+              <a:prstGeom prst="rect">
+                <a:avLst/>
+              </a:prstGeom>
+              <a:noFill/>
+            </p:spPr>
+            <p:txBody>
+              <a:bodyPr wrap="square" rtlCol="0">
+                <a:spAutoFit/>
+              </a:bodyPr>
+              <a:lstStyle/>
+              <a:p>
+                <a:pPr algn="ctr"/>
+                <a:r>
+                  <a:rPr lang="en-US" sz="1400" dirty="0" err="1"/>
+                  <a:t>dim.positions</a:t>
+                </a:r>
+                <a:endParaRPr lang="en-US" dirty="0"/>
+              </a:p>
+            </p:txBody>
+          </p:sp>
+        </p:grpSp>
+        <p:grpSp>
+          <p:nvGrpSpPr>
+            <p:cNvPr id="154" name="Group 153">
+              <a:extLst>
+                <a:ext uri="{FF2B5EF4-FFF2-40B4-BE49-F238E27FC236}">
+                  <a16:creationId xmlns:a16="http://schemas.microsoft.com/office/drawing/2014/main" id="{94BCD385-7003-4B21-B4B4-32FB154C60EC}"/>
+                </a:ext>
+              </a:extLst>
+            </p:cNvPr>
+            <p:cNvGrpSpPr/>
+            <p:nvPr/>
+          </p:nvGrpSpPr>
+          <p:grpSpPr>
+            <a:xfrm>
+              <a:off x="10228658" y="3855151"/>
+              <a:ext cx="831386" cy="1181374"/>
+              <a:chOff x="9311458" y="289046"/>
+              <a:chExt cx="831386" cy="1181374"/>
+            </a:xfrm>
+          </p:grpSpPr>
+          <p:pic>
+            <p:nvPicPr>
+              <p:cNvPr id="155" name="Picture 2" descr="Csv, file, plano icon">
+                <a:extLst>
+                  <a:ext uri="{FF2B5EF4-FFF2-40B4-BE49-F238E27FC236}">
+                    <a16:creationId xmlns:a16="http://schemas.microsoft.com/office/drawing/2014/main" id="{00A8B0CC-88DA-4F54-A1F2-FC41A711C128}"/>
+                  </a:ext>
+                </a:extLst>
+              </p:cNvPr>
+              <p:cNvPicPr>
+                <a:picLocks noChangeAspect="1" noChangeArrowheads="1"/>
+              </p:cNvPicPr>
+              <p:nvPr/>
+            </p:nvPicPr>
+            <p:blipFill>
+              <a:blip r:embed="rId3">
+                <a:extLst>
+                  <a:ext uri="{28A0092B-C50C-407E-A947-70E740481C1C}">
+                    <a14:useLocalDpi xmlns:a14="http://schemas.microsoft.com/office/drawing/2010/main" val="0"/>
+                  </a:ext>
+                </a:extLst>
+              </a:blip>
+              <a:srcRect/>
+              <a:stretch>
+                <a:fillRect/>
+              </a:stretch>
+            </p:blipFill>
+            <p:spPr bwMode="auto">
+              <a:xfrm>
+                <a:off x="9383147" y="289046"/>
+                <a:ext cx="688009" cy="688009"/>
+              </a:xfrm>
+              <a:prstGeom prst="rect">
+                <a:avLst/>
+              </a:prstGeom>
+              <a:noFill/>
+              <a:extLst>
+                <a:ext uri="{909E8E84-426E-40DD-AFC4-6F175D3DCCD1}">
+                  <a14:hiddenFill xmlns:a14="http://schemas.microsoft.com/office/drawing/2010/main">
+                    <a:solidFill>
+                      <a:srgbClr val="FFFFFF"/>
+                    </a:solidFill>
+                  </a14:hiddenFill>
+                </a:ext>
+              </a:extLst>
+            </p:spPr>
+          </p:pic>
+          <p:sp>
+            <p:nvSpPr>
+              <p:cNvPr id="156" name="TextBox 155">
+                <a:extLst>
+                  <a:ext uri="{FF2B5EF4-FFF2-40B4-BE49-F238E27FC236}">
+                    <a16:creationId xmlns:a16="http://schemas.microsoft.com/office/drawing/2014/main" id="{4F7CEC95-AD3A-40CE-B494-4B5B3F150FD9}"/>
+                  </a:ext>
+                </a:extLst>
+              </p:cNvPr>
+              <p:cNvSpPr txBox="1"/>
+              <p:nvPr/>
+            </p:nvSpPr>
+            <p:spPr>
+              <a:xfrm>
+                <a:off x="9311458" y="947200"/>
+                <a:ext cx="831386" cy="523220"/>
+              </a:xfrm>
+              <a:prstGeom prst="rect">
+                <a:avLst/>
+              </a:prstGeom>
+              <a:noFill/>
+            </p:spPr>
+            <p:txBody>
+              <a:bodyPr wrap="square" rtlCol="0">
+                <a:spAutoFit/>
+              </a:bodyPr>
+              <a:lstStyle/>
+              <a:p>
+                <a:pPr algn="ctr"/>
+                <a:r>
+                  <a:rPr lang="en-US" sz="1400" dirty="0" err="1"/>
+                  <a:t>reporting.alldata</a:t>
+                </a:r>
+                <a:endParaRPr lang="en-US" dirty="0"/>
+              </a:p>
+            </p:txBody>
+          </p:sp>
+        </p:grpSp>
+      </p:grpSp>
+      <p:sp>
+        <p:nvSpPr>
+          <p:cNvPr id="24" name="Rectangle 23">
+            <a:extLst>
+              <a:ext uri="{FF2B5EF4-FFF2-40B4-BE49-F238E27FC236}">
+                <a16:creationId xmlns:a16="http://schemas.microsoft.com/office/drawing/2014/main" id="{529EFC23-3BA8-456D-82E0-096298C51920}"/>
+              </a:ext>
+            </a:extLst>
+          </p:cNvPr>
+          <p:cNvSpPr/>
+          <p:nvPr/>
+        </p:nvSpPr>
+        <p:spPr>
+          <a:xfrm>
+            <a:off x="9207527" y="62513"/>
+            <a:ext cx="960597" cy="6246847"/>
+          </a:xfrm>
+          <a:prstGeom prst="rect">
+            <a:avLst/>
+          </a:prstGeom>
+          <a:noFill/>
+          <a:ln>
+            <a:solidFill>
+              <a:schemeClr val="tx1"/>
+            </a:solidFill>
+          </a:ln>
+        </p:spPr>
+        <p:style>
+          <a:lnRef idx="2">
+            <a:schemeClr val="accent1">
+              <a:shade val="50000"/>
+            </a:schemeClr>
+          </a:lnRef>
+          <a:fillRef idx="1">
+            <a:schemeClr val="accent1"/>
+          </a:fillRef>
+          <a:effectRef idx="0">
+            <a:schemeClr val="accent1"/>
+          </a:effectRef>
+          <a:fontRef idx="minor">
+            <a:schemeClr val="lt1"/>
+          </a:fontRef>
+        </p:style>
+        <p:txBody>
+          <a:bodyPr rtlCol="0" anchor="ctr"/>
+          <a:lstStyle/>
+          <a:p>
+            <a:pPr algn="ctr"/>
+            <a:endParaRPr lang="en-US"/>
+          </a:p>
+        </p:txBody>
+      </p:sp>
+      <p:sp>
+        <p:nvSpPr>
+          <p:cNvPr id="166" name="Rectangle 165">
+            <a:extLst>
+              <a:ext uri="{FF2B5EF4-FFF2-40B4-BE49-F238E27FC236}">
+                <a16:creationId xmlns:a16="http://schemas.microsoft.com/office/drawing/2014/main" id="{C96DD142-B1BC-46BF-952A-499ECA12081B}"/>
+              </a:ext>
+            </a:extLst>
+          </p:cNvPr>
+          <p:cNvSpPr/>
+          <p:nvPr/>
+        </p:nvSpPr>
+        <p:spPr>
+          <a:xfrm>
+            <a:off x="10254310" y="62513"/>
+            <a:ext cx="1720288" cy="3723752"/>
+          </a:xfrm>
+          <a:prstGeom prst="rect">
+            <a:avLst/>
+          </a:prstGeom>
+          <a:noFill/>
+          <a:ln>
+            <a:solidFill>
+              <a:schemeClr val="tx1"/>
+            </a:solidFill>
+          </a:ln>
+        </p:spPr>
+        <p:style>
+          <a:lnRef idx="2">
+            <a:schemeClr val="accent1">
+              <a:shade val="50000"/>
+            </a:schemeClr>
+          </a:lnRef>
+          <a:fillRef idx="1">
+            <a:schemeClr val="accent1"/>
+          </a:fillRef>
+          <a:effectRef idx="0">
+            <a:schemeClr val="accent1"/>
+          </a:effectRef>
+          <a:fontRef idx="minor">
+            <a:schemeClr val="lt1"/>
+          </a:fontRef>
+        </p:style>
+        <p:txBody>
+          <a:bodyPr rtlCol="0" anchor="ctr"/>
+          <a:lstStyle/>
+          <a:p>
+            <a:pPr algn="ctr"/>
+            <a:endParaRPr lang="en-US"/>
+          </a:p>
+        </p:txBody>
+      </p:sp>
+      <p:sp>
+        <p:nvSpPr>
+          <p:cNvPr id="167" name="Rectangle 166">
+            <a:extLst>
+              <a:ext uri="{FF2B5EF4-FFF2-40B4-BE49-F238E27FC236}">
+                <a16:creationId xmlns:a16="http://schemas.microsoft.com/office/drawing/2014/main" id="{93483D0F-C964-4490-90E2-A051C7C1AC77}"/>
+              </a:ext>
+            </a:extLst>
+          </p:cNvPr>
+          <p:cNvSpPr/>
+          <p:nvPr/>
+        </p:nvSpPr>
+        <p:spPr>
+          <a:xfrm>
+            <a:off x="10280322" y="3828767"/>
+            <a:ext cx="791618" cy="1240683"/>
+          </a:xfrm>
+          <a:prstGeom prst="rect">
+            <a:avLst/>
+          </a:prstGeom>
+          <a:noFill/>
+          <a:ln>
+            <a:solidFill>
+              <a:schemeClr val="tx1"/>
+            </a:solidFill>
+          </a:ln>
+        </p:spPr>
+        <p:style>
+          <a:lnRef idx="2">
+            <a:schemeClr val="accent1">
+              <a:shade val="50000"/>
+            </a:schemeClr>
+          </a:lnRef>
+          <a:fillRef idx="1">
+            <a:schemeClr val="accent1"/>
+          </a:fillRef>
+          <a:effectRef idx="0">
+            <a:schemeClr val="accent1"/>
+          </a:effectRef>
+          <a:fontRef idx="minor">
+            <a:schemeClr val="lt1"/>
+          </a:fontRef>
+        </p:style>
+        <p:txBody>
+          <a:bodyPr rtlCol="0" anchor="ctr"/>
+          <a:lstStyle/>
+          <a:p>
+            <a:pPr algn="ctr"/>
+            <a:endParaRPr lang="en-US"/>
+          </a:p>
+        </p:txBody>
+      </p:sp>
+    </p:spTree>
+    <p:extLst>
+      <p:ext uri="{BB962C8B-B14F-4D97-AF65-F5344CB8AC3E}">
+        <p14:creationId xmlns:p14="http://schemas.microsoft.com/office/powerpoint/2010/main" val="459294147"/>
+      </p:ext>
+    </p:extLst>
+  </p:cSld>
+  <p:clrMapOvr>
+    <a:masterClrMapping/>
+  </p:clrMapOvr>
+</p:sld>
+</file>
+
 <file path=ppt/theme/theme1.xml><?xml version="1.0" encoding="utf-8"?>
 <a:theme xmlns:a="http://schemas.openxmlformats.org/drawingml/2006/main" name="Office Theme">
   <a:themeElements>

--- a/diagrams/data_architecture.pptx
+++ b/diagrams/data_architecture.pptx
@@ -4897,11 +4897,11 @@
           <a:p>
             <a:r>
               <a:rPr lang="en-US" b="1" dirty="0"/>
-              <a:t>Datamart</a:t>
+              <a:t>Datamart:</a:t>
             </a:r>
             <a:r>
               <a:rPr lang="en-US" dirty="0"/>
-              <a:t> – Dimensions and Facts in Star Schema</a:t>
+              <a:t> Dimensions and Facts in Star Schema</a:t>
             </a:r>
           </a:p>
         </p:txBody>
@@ -4920,8 +4920,8 @@
         </p:nvSpPr>
         <p:spPr>
           <a:xfrm>
-            <a:off x="6704498" y="5606412"/>
-            <a:ext cx="1817398" cy="1200329"/>
+            <a:off x="6366935" y="5606412"/>
+            <a:ext cx="2600955" cy="1169551"/>
           </a:xfrm>
           <a:prstGeom prst="rect">
             <a:avLst/>
@@ -4935,18 +4935,30 @@
           <a:lstStyle/>
           <a:p>
             <a:r>
-              <a:rPr lang="en-US" b="1" dirty="0"/>
-              <a:t>Data Warehouse </a:t>
+              <a:rPr lang="en-US" sz="1400" b="1" dirty="0"/>
+              <a:t>Data Warehouse:</a:t>
             </a:r>
             <a:r>
-              <a:rPr lang="en-US" dirty="0"/>
+              <a:rPr lang="en-US" sz="1400" dirty="0"/>
+              <a:t> </a:t>
+            </a:r>
+          </a:p>
+          <a:p>
+            <a:r>
+              <a:rPr lang="en-US" sz="1400" dirty="0"/>
               <a:t>- Error corrected</a:t>
             </a:r>
           </a:p>
           <a:p>
             <a:r>
-              <a:rPr lang="en-US" dirty="0"/>
+              <a:rPr lang="en-US" sz="1400" dirty="0"/>
               <a:t>- Pythonic column names</a:t>
+            </a:r>
+          </a:p>
+          <a:p>
+            <a:r>
+              <a:rPr lang="en-US" sz="1400" dirty="0"/>
+              <a:t>- Combining Like data (such as madden rankings</a:t>
             </a:r>
           </a:p>
         </p:txBody>
@@ -4981,11 +4993,11 @@
           <a:p>
             <a:r>
               <a:rPr lang="en-US" b="1" dirty="0"/>
-              <a:t>Data Staging </a:t>
+              <a:t>Data Staging:</a:t>
             </a:r>
             <a:r>
               <a:rPr lang="en-US" dirty="0"/>
-              <a:t>– Curated Files</a:t>
+              <a:t> Curated Files</a:t>
             </a:r>
           </a:p>
         </p:txBody>
@@ -5020,11 +5032,17 @@
           <a:p>
             <a:r>
               <a:rPr lang="en-US" b="1" dirty="0"/>
-              <a:t>Data Lake </a:t>
+              <a:t>Data Lake:</a:t>
             </a:r>
             <a:r>
               <a:rPr lang="en-US" dirty="0"/>
-              <a:t>– Raw files</a:t>
+              <a:t> </a:t>
+            </a:r>
+          </a:p>
+          <a:p>
+            <a:r>
+              <a:rPr lang="en-US" dirty="0"/>
+              <a:t>Raw files</a:t>
             </a:r>
           </a:p>
         </p:txBody>
